--- a/materials/slides/ch01/01 性能测试基础知识.pptx
+++ b/materials/slides/ch01/01 性能测试基础知识.pptx
@@ -18,7 +18,7 @@
     <p:sldId id="302" r:id="rId6"/>
     <p:sldId id="307" r:id="rId7"/>
     <p:sldId id="291" r:id="rId8"/>
-    <p:sldId id="309" r:id="rId9"/>
+    <p:sldId id="343" r:id="rId9"/>
     <p:sldId id="293" r:id="rId10"/>
     <p:sldId id="310" r:id="rId11"/>
     <p:sldId id="300" r:id="rId12"/>
@@ -56,7 +56,7 @@
     <p:sldId id="324" r:id="rId44"/>
     <p:sldId id="288" r:id="rId45"/>
   </p:sldIdLst>
-  <p:sldSz cx="9144000" cy="6858000" type="screen4x3"/>
+  <p:sldSz cx="9144000" cy="5143500" type="screen16x9"/>
   <p:notesSz cx="6858000" cy="9144000"/>
   <p:defaultTextStyle>
     <a:defPPr>
@@ -421,8 +421,8 @@
         </p:nvSpPr>
         <p:spPr>
           <a:xfrm>
-            <a:off x="1143000" y="685800"/>
-            <a:ext cx="4572000" cy="3429000"/>
+            <a:off x="381000" y="685800"/>
+            <a:ext cx="6096000" cy="3429000"/>
           </a:xfrm>
           <a:prstGeom prst="rect">
             <a:avLst/>
@@ -698,7 +698,12 @@
             <p:ph type="sldImg"/>
           </p:nvPr>
         </p:nvSpPr>
-        <p:spPr/>
+        <p:spPr>
+          <a:xfrm>
+            <a:off x="381000" y="685800"/>
+            <a:ext cx="6096000" cy="3429000"/>
+          </a:xfrm>
+        </p:spPr>
       </p:sp>
       <p:sp>
         <p:nvSpPr>
@@ -784,8 +789,8 @@
         </p:nvSpPr>
         <p:spPr>
           <a:xfrm>
-            <a:off x="1143000" y="685800"/>
-            <a:ext cx="4572000" cy="3429000"/>
+            <a:off x="381000" y="685800"/>
+            <a:ext cx="6096000" cy="3429000"/>
           </a:xfrm>
         </p:spPr>
       </p:sp>
@@ -871,8 +876,8 @@
         </p:nvSpPr>
         <p:spPr>
           <a:xfrm>
-            <a:off x="1143000" y="685800"/>
-            <a:ext cx="4572000" cy="3429000"/>
+            <a:off x="381000" y="685800"/>
+            <a:ext cx="6096000" cy="3429000"/>
           </a:xfrm>
         </p:spPr>
       </p:sp>
@@ -956,7 +961,12 @@
             <p:ph type="sldImg"/>
           </p:nvPr>
         </p:nvSpPr>
-        <p:spPr/>
+        <p:spPr>
+          <a:xfrm>
+            <a:off x="381000" y="685800"/>
+            <a:ext cx="6096000" cy="3429000"/>
+          </a:xfrm>
+        </p:spPr>
       </p:sp>
       <p:sp>
         <p:nvSpPr>
@@ -1040,7 +1050,12 @@
             <p:ph type="sldImg"/>
           </p:nvPr>
         </p:nvSpPr>
-        <p:spPr/>
+        <p:spPr>
+          <a:xfrm>
+            <a:off x="381000" y="685800"/>
+            <a:ext cx="6096000" cy="3429000"/>
+          </a:xfrm>
+        </p:spPr>
       </p:sp>
       <p:sp>
         <p:nvSpPr>
@@ -1127,7 +1142,12 @@
             <p:ph type="sldImg"/>
           </p:nvPr>
         </p:nvSpPr>
-        <p:spPr/>
+        <p:spPr>
+          <a:xfrm>
+            <a:off x="381000" y="685800"/>
+            <a:ext cx="6096000" cy="3429000"/>
+          </a:xfrm>
+        </p:spPr>
       </p:sp>
       <p:sp>
         <p:nvSpPr>
@@ -1214,7 +1234,12 @@
             <p:ph type="sldImg"/>
           </p:nvPr>
         </p:nvSpPr>
-        <p:spPr/>
+        <p:spPr>
+          <a:xfrm>
+            <a:off x="381000" y="685800"/>
+            <a:ext cx="6096000" cy="3429000"/>
+          </a:xfrm>
+        </p:spPr>
       </p:sp>
       <p:sp>
         <p:nvSpPr>
@@ -1318,7 +1343,12 @@
             <p:ph type="sldImg"/>
           </p:nvPr>
         </p:nvSpPr>
-        <p:spPr/>
+        <p:spPr>
+          <a:xfrm>
+            <a:off x="381000" y="685800"/>
+            <a:ext cx="6096000" cy="3429000"/>
+          </a:xfrm>
+        </p:spPr>
       </p:sp>
       <p:sp>
         <p:nvSpPr>
@@ -1400,7 +1430,12 @@
             <p:ph type="sldImg"/>
           </p:nvPr>
         </p:nvSpPr>
-        <p:spPr/>
+        <p:spPr>
+          <a:xfrm>
+            <a:off x="381000" y="685800"/>
+            <a:ext cx="6096000" cy="3429000"/>
+          </a:xfrm>
+        </p:spPr>
       </p:sp>
       <p:sp>
         <p:nvSpPr>
@@ -1482,7 +1517,12 @@
             <p:ph type="sldImg"/>
           </p:nvPr>
         </p:nvSpPr>
-        <p:spPr/>
+        <p:spPr>
+          <a:xfrm>
+            <a:off x="381000" y="685800"/>
+            <a:ext cx="6096000" cy="3429000"/>
+          </a:xfrm>
+        </p:spPr>
       </p:sp>
       <p:sp>
         <p:nvSpPr>
@@ -1564,7 +1604,12 @@
             <p:ph type="sldImg"/>
           </p:nvPr>
         </p:nvSpPr>
-        <p:spPr/>
+        <p:spPr>
+          <a:xfrm>
+            <a:off x="381000" y="685800"/>
+            <a:ext cx="6096000" cy="3429000"/>
+          </a:xfrm>
+        </p:spPr>
       </p:sp>
       <p:sp>
         <p:nvSpPr>
@@ -1646,7 +1691,12 @@
             <p:ph type="sldImg"/>
           </p:nvPr>
         </p:nvSpPr>
-        <p:spPr/>
+        <p:spPr>
+          <a:xfrm>
+            <a:off x="381000" y="685800"/>
+            <a:ext cx="6096000" cy="3429000"/>
+          </a:xfrm>
+        </p:spPr>
       </p:sp>
       <p:sp>
         <p:nvSpPr>
@@ -1730,7 +1780,12 @@
             <p:ph type="sldImg"/>
           </p:nvPr>
         </p:nvSpPr>
-        <p:spPr/>
+        <p:spPr>
+          <a:xfrm>
+            <a:off x="381000" y="685800"/>
+            <a:ext cx="6096000" cy="3429000"/>
+          </a:xfrm>
+        </p:spPr>
       </p:sp>
       <p:sp>
         <p:nvSpPr>
@@ -1812,7 +1867,12 @@
             <p:ph type="sldImg"/>
           </p:nvPr>
         </p:nvSpPr>
-        <p:spPr/>
+        <p:spPr>
+          <a:xfrm>
+            <a:off x="381000" y="685800"/>
+            <a:ext cx="6096000" cy="3429000"/>
+          </a:xfrm>
+        </p:spPr>
       </p:sp>
       <p:sp>
         <p:nvSpPr>
@@ -1894,7 +1954,12 @@
             <p:ph type="sldImg"/>
           </p:nvPr>
         </p:nvSpPr>
-        <p:spPr/>
+        <p:spPr>
+          <a:xfrm>
+            <a:off x="381000" y="685800"/>
+            <a:ext cx="6096000" cy="3429000"/>
+          </a:xfrm>
+        </p:spPr>
       </p:sp>
       <p:sp>
         <p:nvSpPr>
@@ -1984,7 +2049,12 @@
             <p:ph type="sldImg"/>
           </p:nvPr>
         </p:nvSpPr>
-        <p:spPr/>
+        <p:spPr>
+          <a:xfrm>
+            <a:off x="381000" y="685800"/>
+            <a:ext cx="6096000" cy="3429000"/>
+          </a:xfrm>
+        </p:spPr>
       </p:sp>
       <p:sp>
         <p:nvSpPr>
@@ -2068,7 +2138,12 @@
             <p:ph type="sldImg"/>
           </p:nvPr>
         </p:nvSpPr>
-        <p:spPr/>
+        <p:spPr>
+          <a:xfrm>
+            <a:off x="381000" y="685800"/>
+            <a:ext cx="6096000" cy="3429000"/>
+          </a:xfrm>
+        </p:spPr>
       </p:sp>
       <p:sp>
         <p:nvSpPr>
@@ -2153,6 +2228,10 @@
           </p:nvPr>
         </p:nvSpPr>
         <p:spPr>
+          <a:xfrm>
+            <a:off x="381000" y="685800"/>
+            <a:ext cx="6096000" cy="3429000"/>
+          </a:xfrm>
           <a:ln/>
         </p:spPr>
       </p:sp>
@@ -2240,6 +2319,10 @@
           </p:nvPr>
         </p:nvSpPr>
         <p:spPr>
+          <a:xfrm>
+            <a:off x="381000" y="685800"/>
+            <a:ext cx="6096000" cy="3429000"/>
+          </a:xfrm>
           <a:ln/>
         </p:spPr>
       </p:sp>
@@ -2327,6 +2410,10 @@
           </p:nvPr>
         </p:nvSpPr>
         <p:spPr>
+          <a:xfrm>
+            <a:off x="381000" y="685800"/>
+            <a:ext cx="6096000" cy="3429000"/>
+          </a:xfrm>
           <a:ln/>
         </p:spPr>
       </p:sp>
@@ -2414,6 +2501,10 @@
           </p:nvPr>
         </p:nvSpPr>
         <p:spPr>
+          <a:xfrm>
+            <a:off x="381000" y="685800"/>
+            <a:ext cx="6096000" cy="3429000"/>
+          </a:xfrm>
           <a:ln/>
         </p:spPr>
       </p:sp>
@@ -2501,6 +2592,10 @@
           </p:nvPr>
         </p:nvSpPr>
         <p:spPr>
+          <a:xfrm>
+            <a:off x="381000" y="685800"/>
+            <a:ext cx="6096000" cy="3429000"/>
+          </a:xfrm>
           <a:ln/>
         </p:spPr>
       </p:sp>
@@ -2589,8 +2684,8 @@
         </p:nvSpPr>
         <p:spPr>
           <a:xfrm>
-            <a:off x="1143000" y="685800"/>
-            <a:ext cx="4572000" cy="3429000"/>
+            <a:off x="381000" y="685800"/>
+            <a:ext cx="6096000" cy="3429000"/>
           </a:xfrm>
         </p:spPr>
       </p:sp>
@@ -2680,6 +2775,10 @@
           </p:nvPr>
         </p:nvSpPr>
         <p:spPr>
+          <a:xfrm>
+            <a:off x="381000" y="685800"/>
+            <a:ext cx="6096000" cy="3429000"/>
+          </a:xfrm>
           <a:ln/>
         </p:spPr>
       </p:sp>
@@ -2767,6 +2866,10 @@
           </p:nvPr>
         </p:nvSpPr>
         <p:spPr>
+          <a:xfrm>
+            <a:off x="381000" y="685800"/>
+            <a:ext cx="6096000" cy="3429000"/>
+          </a:xfrm>
           <a:ln/>
         </p:spPr>
       </p:sp>
@@ -2853,7 +2956,12 @@
             <p:ph type="sldImg"/>
           </p:nvPr>
         </p:nvSpPr>
-        <p:spPr/>
+        <p:spPr>
+          <a:xfrm>
+            <a:off x="381000" y="685800"/>
+            <a:ext cx="6096000" cy="3429000"/>
+          </a:xfrm>
+        </p:spPr>
       </p:sp>
       <p:sp>
         <p:nvSpPr>
@@ -2937,7 +3045,12 @@
             <p:ph type="sldImg"/>
           </p:nvPr>
         </p:nvSpPr>
-        <p:spPr/>
+        <p:spPr>
+          <a:xfrm>
+            <a:off x="381000" y="685800"/>
+            <a:ext cx="6096000" cy="3429000"/>
+          </a:xfrm>
+        </p:spPr>
       </p:sp>
       <p:sp>
         <p:nvSpPr>
@@ -3021,7 +3134,12 @@
             <p:ph type="sldImg"/>
           </p:nvPr>
         </p:nvSpPr>
-        <p:spPr/>
+        <p:spPr>
+          <a:xfrm>
+            <a:off x="381000" y="685800"/>
+            <a:ext cx="6096000" cy="3429000"/>
+          </a:xfrm>
+        </p:spPr>
       </p:sp>
       <p:sp>
         <p:nvSpPr>
@@ -3105,7 +3223,12 @@
             <p:ph type="sldImg"/>
           </p:nvPr>
         </p:nvSpPr>
-        <p:spPr/>
+        <p:spPr>
+          <a:xfrm>
+            <a:off x="381000" y="685800"/>
+            <a:ext cx="6096000" cy="3429000"/>
+          </a:xfrm>
+        </p:spPr>
       </p:sp>
       <p:sp>
         <p:nvSpPr>
@@ -3189,7 +3312,12 @@
             <p:ph type="sldImg"/>
           </p:nvPr>
         </p:nvSpPr>
-        <p:spPr/>
+        <p:spPr>
+          <a:xfrm>
+            <a:off x="381000" y="685800"/>
+            <a:ext cx="6096000" cy="3429000"/>
+          </a:xfrm>
+        </p:spPr>
       </p:sp>
       <p:sp>
         <p:nvSpPr>
@@ -3275,8 +3403,8 @@
         </p:nvSpPr>
         <p:spPr>
           <a:xfrm>
-            <a:off x="1143000" y="685800"/>
-            <a:ext cx="4572000" cy="3429000"/>
+            <a:off x="381000" y="685800"/>
+            <a:ext cx="6096000" cy="3429000"/>
           </a:xfrm>
         </p:spPr>
       </p:sp>
@@ -3365,7 +3493,12 @@
             <p:ph type="sldImg"/>
           </p:nvPr>
         </p:nvSpPr>
-        <p:spPr/>
+        <p:spPr>
+          <a:xfrm>
+            <a:off x="381000" y="685800"/>
+            <a:ext cx="6096000" cy="3429000"/>
+          </a:xfrm>
+        </p:spPr>
       </p:sp>
       <p:sp>
         <p:nvSpPr>
@@ -3449,7 +3582,12 @@
             <p:ph type="sldImg"/>
           </p:nvPr>
         </p:nvSpPr>
-        <p:spPr/>
+        <p:spPr>
+          <a:xfrm>
+            <a:off x="381000" y="685800"/>
+            <a:ext cx="6096000" cy="3429000"/>
+          </a:xfrm>
+        </p:spPr>
       </p:sp>
       <p:sp>
         <p:nvSpPr>
@@ -3533,7 +3671,12 @@
             <p:ph type="sldImg"/>
           </p:nvPr>
         </p:nvSpPr>
-        <p:spPr/>
+        <p:spPr>
+          <a:xfrm>
+            <a:off x="381000" y="685800"/>
+            <a:ext cx="6096000" cy="3429000"/>
+          </a:xfrm>
+        </p:spPr>
       </p:sp>
       <p:sp>
         <p:nvSpPr>
@@ -3617,7 +3760,12 @@
             <p:ph type="sldImg"/>
           </p:nvPr>
         </p:nvSpPr>
-        <p:spPr/>
+        <p:spPr>
+          <a:xfrm>
+            <a:off x="381000" y="685800"/>
+            <a:ext cx="6096000" cy="3429000"/>
+          </a:xfrm>
+        </p:spPr>
       </p:sp>
       <p:sp>
         <p:nvSpPr>
@@ -3701,7 +3849,12 @@
             <p:ph type="sldImg"/>
           </p:nvPr>
         </p:nvSpPr>
-        <p:spPr/>
+        <p:spPr>
+          <a:xfrm>
+            <a:off x="381000" y="685800"/>
+            <a:ext cx="6096000" cy="3429000"/>
+          </a:xfrm>
+        </p:spPr>
       </p:sp>
       <p:sp>
         <p:nvSpPr>
@@ -3848,8 +4001,8 @@
         </p:nvSpPr>
         <p:spPr>
           <a:xfrm>
-            <a:off x="2106" y="818866"/>
-            <a:ext cx="9144000" cy="6210887"/>
+            <a:off x="2106" y="614150"/>
+            <a:ext cx="9144000" cy="4658165"/>
           </a:xfrm>
           <a:prstGeom prst="rect">
             <a:avLst/>
@@ -3894,8 +4047,8 @@
         </p:nvSpPr>
         <p:spPr>
           <a:xfrm>
-            <a:off x="0" y="-1"/>
-            <a:ext cx="9145588" cy="818867"/>
+            <a:off x="0" y="0"/>
+            <a:ext cx="9145588" cy="614150"/>
           </a:xfrm>
           <a:prstGeom prst="rect">
             <a:avLst/>
@@ -3944,8 +4097,8 @@
         </p:nvSpPr>
         <p:spPr>
           <a:xfrm>
-            <a:off x="685800" y="2130425"/>
-            <a:ext cx="7772400" cy="1470025"/>
+            <a:off x="685800" y="1597819"/>
+            <a:ext cx="7772400" cy="1102519"/>
           </a:xfrm>
         </p:spPr>
         <p:txBody>
@@ -3984,8 +4137,8 @@
         </p:nvSpPr>
         <p:spPr>
           <a:xfrm>
-            <a:off x="1371600" y="3886200"/>
-            <a:ext cx="6400800" cy="1752600"/>
+            <a:off x="1371600" y="2914650"/>
+            <a:ext cx="6400800" cy="1314450"/>
           </a:xfrm>
         </p:spPr>
         <p:txBody>
@@ -4272,8 +4425,8 @@
         </p:nvSpPr>
         <p:spPr>
           <a:xfrm>
-            <a:off x="0" y="-1"/>
-            <a:ext cx="9145588" cy="818867"/>
+            <a:off x="0" y="0"/>
+            <a:ext cx="9145588" cy="614150"/>
           </a:xfrm>
           <a:prstGeom prst="rect">
             <a:avLst/>
@@ -4322,8 +4475,8 @@
         </p:nvSpPr>
         <p:spPr>
           <a:xfrm>
-            <a:off x="-9602" y="-1"/>
-            <a:ext cx="9153601" cy="818867"/>
+            <a:off x="-9602" y="0"/>
+            <a:ext cx="9153601" cy="614150"/>
           </a:xfrm>
         </p:spPr>
         <p:txBody>
@@ -4392,8 +4545,8 @@
         </p:nvSpPr>
         <p:spPr>
           <a:xfrm>
-            <a:off x="457200" y="274638"/>
-            <a:ext cx="8229600" cy="1143000"/>
+            <a:off x="457200" y="205978"/>
+            <a:ext cx="8229600" cy="857250"/>
           </a:xfrm>
           <a:prstGeom prst="rect">
             <a:avLst/>
@@ -4425,8 +4578,8 @@
         </p:nvSpPr>
         <p:spPr>
           <a:xfrm>
-            <a:off x="457200" y="1600200"/>
-            <a:ext cx="8229600" cy="4525963"/>
+            <a:off x="457200" y="1200151"/>
+            <a:ext cx="8229600" cy="3394472"/>
           </a:xfrm>
           <a:prstGeom prst="rect">
             <a:avLst/>
@@ -4487,8 +4640,8 @@
         </p:nvSpPr>
         <p:spPr>
           <a:xfrm>
-            <a:off x="457200" y="6356350"/>
-            <a:ext cx="2133600" cy="365125"/>
+            <a:off x="457200" y="4767263"/>
+            <a:ext cx="2133600" cy="273844"/>
           </a:xfrm>
           <a:prstGeom prst="rect">
             <a:avLst/>
@@ -4528,8 +4681,8 @@
         </p:nvSpPr>
         <p:spPr>
           <a:xfrm>
-            <a:off x="3124200" y="6356350"/>
-            <a:ext cx="2895600" cy="365125"/>
+            <a:off x="3124200" y="4767263"/>
+            <a:ext cx="2895600" cy="273844"/>
           </a:xfrm>
           <a:prstGeom prst="rect">
             <a:avLst/>
@@ -4565,8 +4718,8 @@
         </p:nvSpPr>
         <p:spPr>
           <a:xfrm>
-            <a:off x="6553200" y="6356350"/>
-            <a:ext cx="2133600" cy="365125"/>
+            <a:off x="6553200" y="4767263"/>
+            <a:ext cx="2133600" cy="273844"/>
           </a:xfrm>
           <a:prstGeom prst="rect">
             <a:avLst/>
@@ -4883,7 +5036,9 @@
         </p:nvSpPr>
         <p:spPr/>
         <p:txBody>
-          <a:bodyPr/>
+          <a:bodyPr>
+            <a:normAutofit fontScale="90000"/>
+          </a:bodyPr>
           <a:lstStyle/>
           <a:p>
             <a:endParaRPr lang="zh-CN" altLang="en-US"/>
@@ -4913,8 +5068,8 @@
         </p:blipFill>
         <p:spPr bwMode="auto">
           <a:xfrm>
-            <a:off x="467544" y="1102383"/>
-            <a:ext cx="5057775" cy="4381500"/>
+            <a:off x="467545" y="826787"/>
+            <a:ext cx="5057775" cy="3286125"/>
           </a:xfrm>
           <a:prstGeom prst="rect">
             <a:avLst/>
@@ -4977,8 +5132,8 @@
         </p:blipFill>
         <p:spPr bwMode="auto">
           <a:xfrm>
-            <a:off x="4557404" y="1556792"/>
-            <a:ext cx="4676775" cy="2686050"/>
+            <a:off x="4211960" y="1167594"/>
+            <a:ext cx="4676775" cy="2014538"/>
           </a:xfrm>
           <a:prstGeom prst="rect">
             <a:avLst/>
@@ -5028,6 +5183,13 @@
   <p:clrMapOvr>
     <a:masterClrMapping/>
   </p:clrMapOvr>
+  <p:timing>
+    <p:tnLst>
+      <p:par>
+        <p:cTn id="1" dur="indefinite" restart="never" nodeType="tmRoot"/>
+      </p:par>
+    </p:tnLst>
+  </p:timing>
 </p:sld>
 </file>
 
@@ -5060,8 +5222,8 @@
         </p:nvSpPr>
         <p:spPr>
           <a:xfrm>
-            <a:off x="395536" y="980728"/>
-            <a:ext cx="8136904" cy="5472608"/>
+            <a:off x="395536" y="735546"/>
+            <a:ext cx="8136904" cy="4104456"/>
           </a:xfrm>
         </p:spPr>
         <p:txBody>
@@ -5256,7 +5418,9 @@
         </p:nvSpPr>
         <p:spPr/>
         <p:txBody>
-          <a:bodyPr/>
+          <a:bodyPr>
+            <a:normAutofit fontScale="90000"/>
+          </a:bodyPr>
           <a:lstStyle/>
           <a:p>
             <a:r>
@@ -5316,8 +5480,8 @@
         </p:nvSpPr>
         <p:spPr>
           <a:xfrm>
-            <a:off x="474948" y="1268760"/>
-            <a:ext cx="8229600" cy="4525963"/>
+            <a:off x="474948" y="951571"/>
+            <a:ext cx="8229600" cy="3394472"/>
           </a:xfrm>
         </p:spPr>
         <p:txBody>
@@ -5353,7 +5517,7 @@
         <p:spPr/>
         <p:txBody>
           <a:bodyPr>
-            <a:normAutofit/>
+            <a:normAutofit fontScale="90000"/>
           </a:bodyPr>
           <a:lstStyle/>
           <a:p>
@@ -5396,8 +5560,8 @@
         </p:blipFill>
         <p:spPr bwMode="auto">
           <a:xfrm>
-            <a:off x="747259" y="2492896"/>
-            <a:ext cx="7668344" cy="3573016"/>
+            <a:off x="747259" y="1869672"/>
+            <a:ext cx="7668344" cy="2679762"/>
           </a:xfrm>
           <a:prstGeom prst="rect">
             <a:avLst/>
@@ -5486,8 +5650,8 @@
         </p:nvSpPr>
         <p:spPr>
           <a:xfrm>
-            <a:off x="395536" y="980728"/>
-            <a:ext cx="8136904" cy="5472608"/>
+            <a:off x="395536" y="735546"/>
+            <a:ext cx="8136904" cy="4104456"/>
           </a:xfrm>
         </p:spPr>
         <p:txBody>
@@ -5678,7 +5842,9 @@
         </p:nvSpPr>
         <p:spPr/>
         <p:txBody>
-          <a:bodyPr/>
+          <a:bodyPr>
+            <a:normAutofit fontScale="90000"/>
+          </a:bodyPr>
           <a:lstStyle/>
           <a:p>
             <a:r>
@@ -5802,8 +5968,8 @@
         </p:blipFill>
         <p:spPr bwMode="auto">
           <a:xfrm>
-            <a:off x="753664" y="1000111"/>
-            <a:ext cx="7818864" cy="5011651"/>
+            <a:off x="753664" y="750084"/>
+            <a:ext cx="7818864" cy="3758738"/>
           </a:xfrm>
           <a:prstGeom prst="rect">
             <a:avLst/>
@@ -5925,8 +6091,8 @@
         </p:blipFill>
         <p:spPr bwMode="auto">
           <a:xfrm>
-            <a:off x="785787" y="1412478"/>
-            <a:ext cx="7643866" cy="5011541"/>
+            <a:off x="785787" y="1059359"/>
+            <a:ext cx="7643866" cy="3758656"/>
           </a:xfrm>
           <a:prstGeom prst="rect">
             <a:avLst/>
@@ -5989,8 +6155,8 @@
         </p:nvSpPr>
         <p:spPr>
           <a:xfrm>
-            <a:off x="395536" y="980728"/>
-            <a:ext cx="8136904" cy="5472608"/>
+            <a:off x="395536" y="735546"/>
+            <a:ext cx="8136904" cy="4104456"/>
           </a:xfrm>
         </p:spPr>
         <p:txBody>
@@ -6177,7 +6343,9 @@
         </p:nvSpPr>
         <p:spPr/>
         <p:txBody>
-          <a:bodyPr/>
+          <a:bodyPr>
+            <a:normAutofit fontScale="90000"/>
+          </a:bodyPr>
           <a:lstStyle/>
           <a:p>
             <a:r>
@@ -6237,7 +6405,9 @@
         </p:nvSpPr>
         <p:spPr/>
         <p:txBody>
-          <a:bodyPr/>
+          <a:bodyPr>
+            <a:normAutofit fontScale="90000"/>
+          </a:bodyPr>
           <a:lstStyle/>
           <a:p>
             <a:r>
@@ -6268,13 +6438,13 @@
         </p:nvSpPr>
         <p:spPr>
           <a:xfrm>
-            <a:off x="323528" y="1052736"/>
-            <a:ext cx="8820472" cy="4641850"/>
+            <a:off x="323528" y="789552"/>
+            <a:ext cx="8820472" cy="3481388"/>
           </a:xfrm>
         </p:spPr>
         <p:txBody>
           <a:bodyPr>
-            <a:normAutofit fontScale="92500" lnSpcReduction="20000"/>
+            <a:normAutofit fontScale="77500" lnSpcReduction="20000"/>
           </a:bodyPr>
           <a:lstStyle/>
           <a:p>
@@ -6404,67 +6574,6 @@
           </a:p>
         </p:txBody>
       </p:sp>
-      <p:pic>
-        <p:nvPicPr>
-          <p:cNvPr id="1027" name="Picture 3"/>
-          <p:cNvPicPr>
-            <a:picLocks noChangeAspect="1" noChangeArrowheads="1"/>
-          </p:cNvPicPr>
-          <p:nvPr/>
-        </p:nvPicPr>
-        <p:blipFill>
-          <a:blip r:embed="rId3">
-            <a:extLst>
-              <a:ext uri="{28A0092B-C50C-407E-A947-70E740481C1C}">
-                <a14:useLocalDpi xmlns:a14="http://schemas.microsoft.com/office/drawing/2010/main" val="0"/>
-              </a:ext>
-            </a:extLst>
-          </a:blip>
-          <a:srcRect/>
-          <a:stretch>
-            <a:fillRect/>
-          </a:stretch>
-        </p:blipFill>
-        <p:spPr bwMode="auto">
-          <a:xfrm>
-            <a:off x="1187624" y="5733256"/>
-            <a:ext cx="8320109" cy="1569554"/>
-          </a:xfrm>
-          <a:prstGeom prst="rect">
-            <a:avLst/>
-          </a:prstGeom>
-          <a:noFill/>
-          <a:ln>
-            <a:noFill/>
-          </a:ln>
-          <a:effectLst>
-            <a:outerShdw blurRad="63500" sx="102000" sy="102000" algn="ctr" rotWithShape="0">
-              <a:prstClr val="black">
-                <a:alpha val="40000"/>
-              </a:prstClr>
-            </a:outerShdw>
-          </a:effectLst>
-          <a:extLst>
-            <a:ext uri="{909E8E84-426E-40DD-AFC4-6F175D3DCCD1}">
-              <a14:hiddenFill xmlns:a14="http://schemas.microsoft.com/office/drawing/2010/main">
-                <a:solidFill>
-                  <a:schemeClr val="accent1"/>
-                </a:solidFill>
-              </a14:hiddenFill>
-            </a:ext>
-            <a:ext uri="{91240B29-F687-4F45-9708-019B960494DF}">
-              <a14:hiddenLine xmlns:a14="http://schemas.microsoft.com/office/drawing/2010/main" w="9525">
-                <a:solidFill>
-                  <a:schemeClr val="tx1"/>
-                </a:solidFill>
-                <a:miter lim="800000"/>
-                <a:headEnd/>
-                <a:tailEnd/>
-              </a14:hiddenLine>
-            </a:ext>
-          </a:extLst>
-        </p:spPr>
-      </p:pic>
     </p:spTree>
     <p:extLst>
       <p:ext uri="{BB962C8B-B14F-4D97-AF65-F5344CB8AC3E}">
@@ -6760,59 +6869,6 @@
                       </p:childTnLst>
                     </p:cTn>
                   </p:par>
-                  <p:par>
-                    <p:cTn id="23" fill="hold">
-                      <p:stCondLst>
-                        <p:cond delay="indefinite"/>
-                      </p:stCondLst>
-                      <p:childTnLst>
-                        <p:par>
-                          <p:cTn id="24" fill="hold">
-                            <p:stCondLst>
-                              <p:cond delay="0"/>
-                            </p:stCondLst>
-                            <p:childTnLst>
-                              <p:par>
-                                <p:cTn id="25" presetID="6" presetClass="entr" presetSubtype="16" fill="hold" nodeType="clickEffect">
-                                  <p:stCondLst>
-                                    <p:cond delay="0"/>
-                                  </p:stCondLst>
-                                  <p:childTnLst>
-                                    <p:set>
-                                      <p:cBhvr>
-                                        <p:cTn id="26" dur="1" fill="hold">
-                                          <p:stCondLst>
-                                            <p:cond delay="0"/>
-                                          </p:stCondLst>
-                                        </p:cTn>
-                                        <p:tgtEl>
-                                          <p:spTgt spid="1027"/>
-                                        </p:tgtEl>
-                                        <p:attrNameLst>
-                                          <p:attrName>style.visibility</p:attrName>
-                                        </p:attrNameLst>
-                                      </p:cBhvr>
-                                      <p:to>
-                                        <p:strVal val="visible"/>
-                                      </p:to>
-                                    </p:set>
-                                    <p:animEffect transition="in" filter="circle(in)">
-                                      <p:cBhvr>
-                                        <p:cTn id="27" dur="2000"/>
-                                        <p:tgtEl>
-                                          <p:spTgt spid="1027"/>
-                                        </p:tgtEl>
-                                      </p:cBhvr>
-                                    </p:animEffect>
-                                  </p:childTnLst>
-                                </p:cTn>
-                              </p:par>
-                            </p:childTnLst>
-                          </p:cTn>
-                        </p:par>
-                      </p:childTnLst>
-                    </p:cTn>
-                  </p:par>
                 </p:childTnLst>
               </p:cTn>
               <p:prevCondLst>
@@ -6867,7 +6923,9 @@
         </p:nvSpPr>
         <p:spPr/>
         <p:txBody>
-          <a:bodyPr/>
+          <a:bodyPr>
+            <a:normAutofit fontScale="90000"/>
+          </a:bodyPr>
           <a:lstStyle/>
           <a:p>
             <a:r>
@@ -6909,8 +6967,8 @@
         </p:blipFill>
         <p:spPr bwMode="auto">
           <a:xfrm>
-            <a:off x="395536" y="2852936"/>
-            <a:ext cx="8320109" cy="1569554"/>
+            <a:off x="395536" y="2139702"/>
+            <a:ext cx="8320109" cy="1177166"/>
           </a:xfrm>
           <a:prstGeom prst="rect">
             <a:avLst/>
@@ -7073,7 +7131,9 @@
         </p:nvSpPr>
         <p:spPr/>
         <p:txBody>
-          <a:bodyPr/>
+          <a:bodyPr>
+            <a:normAutofit fontScale="90000"/>
+          </a:bodyPr>
           <a:lstStyle/>
           <a:p>
             <a:r>
@@ -7121,8 +7181,8 @@
         </p:nvSpPr>
         <p:spPr bwMode="auto">
           <a:xfrm>
-            <a:off x="1082644" y="2365460"/>
-            <a:ext cx="3103563" cy="768350"/>
+            <a:off x="1082645" y="1774095"/>
+            <a:ext cx="3103563" cy="576263"/>
           </a:xfrm>
           <a:prstGeom prst="roundRect">
             <a:avLst>
@@ -7171,8 +7231,8 @@
         </p:nvSpPr>
         <p:spPr bwMode="auto">
           <a:xfrm>
-            <a:off x="1082644" y="1535198"/>
-            <a:ext cx="3103563" cy="769937"/>
+            <a:off x="1082645" y="1151399"/>
+            <a:ext cx="3103563" cy="577453"/>
           </a:xfrm>
           <a:prstGeom prst="roundRect">
             <a:avLst>
@@ -7221,8 +7281,8 @@
         </p:nvSpPr>
         <p:spPr bwMode="gray">
           <a:xfrm>
-            <a:off x="857224" y="1666960"/>
-            <a:ext cx="681033" cy="496888"/>
+            <a:off x="857224" y="1250220"/>
+            <a:ext cx="681033" cy="372666"/>
           </a:xfrm>
           <a:prstGeom prst="homePlate">
             <a:avLst>
@@ -7278,8 +7338,8 @@
         </p:nvSpPr>
         <p:spPr bwMode="gray">
           <a:xfrm>
-            <a:off x="857224" y="2498810"/>
-            <a:ext cx="681033" cy="493713"/>
+            <a:off x="857224" y="1874108"/>
+            <a:ext cx="681033" cy="370285"/>
           </a:xfrm>
           <a:prstGeom prst="homePlate">
             <a:avLst>
@@ -7335,8 +7395,8 @@
         </p:nvSpPr>
         <p:spPr bwMode="auto">
           <a:xfrm>
-            <a:off x="1082644" y="4037098"/>
-            <a:ext cx="3103563" cy="769937"/>
+            <a:off x="1082645" y="3027824"/>
+            <a:ext cx="3103563" cy="577453"/>
           </a:xfrm>
           <a:prstGeom prst="roundRect">
             <a:avLst>
@@ -7385,8 +7445,8 @@
         </p:nvSpPr>
         <p:spPr bwMode="auto">
           <a:xfrm>
-            <a:off x="1082644" y="3202073"/>
-            <a:ext cx="3103563" cy="769937"/>
+            <a:off x="1082645" y="2401555"/>
+            <a:ext cx="3103563" cy="577453"/>
           </a:xfrm>
           <a:prstGeom prst="roundRect">
             <a:avLst>
@@ -7435,8 +7495,8 @@
         </p:nvSpPr>
         <p:spPr bwMode="gray">
           <a:xfrm>
-            <a:off x="857224" y="3333835"/>
-            <a:ext cx="681033" cy="496888"/>
+            <a:off x="857224" y="2500376"/>
+            <a:ext cx="681033" cy="372666"/>
           </a:xfrm>
           <a:prstGeom prst="homePlate">
             <a:avLst>
@@ -7492,8 +7552,8 @@
         </p:nvSpPr>
         <p:spPr bwMode="gray">
           <a:xfrm>
-            <a:off x="857224" y="4170448"/>
-            <a:ext cx="681033" cy="493712"/>
+            <a:off x="857224" y="3127836"/>
+            <a:ext cx="681033" cy="370284"/>
           </a:xfrm>
           <a:prstGeom prst="homePlate">
             <a:avLst>
@@ -7549,7 +7609,7 @@
         </p:nvSpPr>
         <p:spPr bwMode="gray">
           <a:xfrm>
-            <a:off x="1516032" y="1749512"/>
+            <a:off x="1516032" y="1312134"/>
             <a:ext cx="2468562" cy="609398"/>
           </a:xfrm>
           <a:prstGeom prst="rect">
@@ -7623,8 +7683,8 @@
         </p:nvSpPr>
         <p:spPr bwMode="gray">
           <a:xfrm>
-            <a:off x="1531934" y="2535330"/>
-            <a:ext cx="2468562" cy="361509"/>
+            <a:off x="1531934" y="1901498"/>
+            <a:ext cx="2468562" cy="350865"/>
           </a:xfrm>
           <a:prstGeom prst="rect">
             <a:avLst/>
@@ -7697,8 +7757,8 @@
         </p:nvSpPr>
         <p:spPr bwMode="gray">
           <a:xfrm>
-            <a:off x="1531934" y="3459705"/>
-            <a:ext cx="2468562" cy="361509"/>
+            <a:off x="1531934" y="2594779"/>
+            <a:ext cx="2468562" cy="350865"/>
           </a:xfrm>
           <a:prstGeom prst="rect">
             <a:avLst/>
@@ -7771,8 +7831,8 @@
         </p:nvSpPr>
         <p:spPr bwMode="gray">
           <a:xfrm>
-            <a:off x="1531934" y="4316961"/>
-            <a:ext cx="2468562" cy="361509"/>
+            <a:off x="1531934" y="3237721"/>
+            <a:ext cx="2468562" cy="350865"/>
           </a:xfrm>
           <a:prstGeom prst="rect">
             <a:avLst/>
@@ -7845,8 +7905,8 @@
         </p:nvSpPr>
         <p:spPr bwMode="auto">
           <a:xfrm>
-            <a:off x="5045505" y="1463760"/>
-            <a:ext cx="3241271" cy="3378439"/>
+            <a:off x="5045506" y="1097821"/>
+            <a:ext cx="3241271" cy="2533829"/>
           </a:xfrm>
           <a:prstGeom prst="roundRect">
             <a:avLst>
@@ -8078,8 +8138,8 @@
         </p:nvSpPr>
         <p:spPr>
           <a:xfrm>
-            <a:off x="642354" y="5178536"/>
-            <a:ext cx="7945838" cy="677108"/>
+            <a:off x="642354" y="3883902"/>
+            <a:ext cx="7945838" cy="646331"/>
           </a:xfrm>
           <a:prstGeom prst="rect">
             <a:avLst/>
@@ -8408,8 +8468,8 @@
         </p:nvSpPr>
         <p:spPr>
           <a:xfrm>
-            <a:off x="395536" y="1412776"/>
-            <a:ext cx="8640960" cy="3670236"/>
+            <a:off x="395536" y="1059582"/>
+            <a:ext cx="8640960" cy="3785652"/>
           </a:xfrm>
           <a:prstGeom prst="rect">
             <a:avLst/>
@@ -8621,7 +8681,7 @@
         </p:nvSpPr>
         <p:spPr>
           <a:xfrm>
-            <a:off x="380268" y="980728"/>
+            <a:off x="380268" y="735546"/>
             <a:ext cx="8640960" cy="3970318"/>
           </a:xfrm>
           <a:prstGeom prst="rect">
@@ -8764,8 +8824,8 @@
         </p:nvSpPr>
         <p:spPr>
           <a:xfrm>
-            <a:off x="395536" y="1412776"/>
-            <a:ext cx="8640960" cy="5262979"/>
+            <a:off x="395536" y="1059583"/>
+            <a:ext cx="8640960" cy="3222998"/>
           </a:xfrm>
           <a:prstGeom prst="rect">
             <a:avLst/>
@@ -8784,25 +8844,25 @@
               </a:lnSpc>
             </a:pPr>
             <a:r>
-              <a:rPr lang="zh-CN" altLang="en-US" sz="3200" dirty="0">
+              <a:rPr lang="zh-CN" altLang="en-US" sz="2800" dirty="0">
                 <a:latin typeface="+mn-ea"/>
               </a:rPr>
               <a:t>方法</a:t>
             </a:r>
             <a:r>
-              <a:rPr lang="zh-CN" altLang="en-US" sz="3200" dirty="0" smtClean="0">
+              <a:rPr lang="zh-CN" altLang="en-US" sz="2800" dirty="0" smtClean="0">
                 <a:latin typeface="+mn-ea"/>
               </a:rPr>
               <a:t>：</a:t>
             </a:r>
             <a:r>
-              <a:rPr lang="zh-CN" altLang="en-US" sz="3200" dirty="0">
+              <a:rPr lang="zh-CN" altLang="en-US" sz="2800" dirty="0">
                 <a:latin typeface="+mn-ea"/>
               </a:rPr>
               <a:t>指在一定的软件、硬件及网络环境下，模拟大量的</a:t>
             </a:r>
             <a:r>
-              <a:rPr lang="zh-CN" altLang="en-US" sz="3200" dirty="0">
+              <a:rPr lang="zh-CN" altLang="en-US" sz="2800" dirty="0">
                 <a:solidFill>
                   <a:srgbClr val="FF0000"/>
                 </a:solidFill>
@@ -8811,13 +8871,13 @@
               <a:t>虚拟用户</a:t>
             </a:r>
             <a:r>
-              <a:rPr lang="zh-CN" altLang="en-US" sz="3200" dirty="0">
+              <a:rPr lang="zh-CN" altLang="en-US" sz="2800" dirty="0">
                 <a:latin typeface="+mn-ea"/>
               </a:rPr>
               <a:t>使服务器产生负载，使服务器资源处于</a:t>
             </a:r>
             <a:r>
-              <a:rPr lang="zh-CN" altLang="en-US" sz="3200" dirty="0">
+              <a:rPr lang="zh-CN" altLang="en-US" sz="2800" dirty="0">
                 <a:solidFill>
                   <a:srgbClr val="FF0000"/>
                 </a:solidFill>
@@ -8826,13 +8886,13 @@
               <a:t>极限状态下并长时间连续运行</a:t>
             </a:r>
             <a:r>
-              <a:rPr lang="zh-CN" altLang="en-US" sz="3200" dirty="0">
+              <a:rPr lang="zh-CN" altLang="en-US" sz="2800" dirty="0">
                 <a:latin typeface="+mn-ea"/>
               </a:rPr>
               <a:t>，以</a:t>
             </a:r>
             <a:r>
-              <a:rPr lang="zh-CN" altLang="en-US" sz="3200" dirty="0">
+              <a:rPr lang="zh-CN" altLang="en-US" sz="2800" dirty="0">
                 <a:solidFill>
                   <a:srgbClr val="FF0000"/>
                 </a:solidFill>
@@ -8840,7 +8900,7 @@
               </a:rPr>
               <a:t>测试服务器在高负载情况下是否能够稳定工作</a:t>
             </a:r>
-            <a:endParaRPr lang="en-US" altLang="zh-CN" sz="3200" dirty="0">
+            <a:endParaRPr lang="en-US" altLang="zh-CN" sz="2800" dirty="0">
               <a:solidFill>
                 <a:srgbClr val="FF0000"/>
               </a:solidFill>
@@ -8854,12 +8914,12 @@
               </a:lnSpc>
             </a:pPr>
             <a:r>
-              <a:rPr lang="zh-CN" altLang="en-US" sz="3200" dirty="0" smtClean="0">
+              <a:rPr lang="zh-CN" altLang="en-US" sz="2800" dirty="0" smtClean="0">
                 <a:latin typeface="+mn-ea"/>
               </a:rPr>
               <a:t>目的：检查系统处于压力性能下时，应用的表现。</a:t>
             </a:r>
-            <a:endParaRPr lang="zh-CN" altLang="en-US" sz="3200" dirty="0">
+            <a:endParaRPr lang="zh-CN" altLang="en-US" sz="2800" dirty="0">
               <a:latin typeface="+mn-ea"/>
             </a:endParaRPr>
           </a:p>
@@ -8943,8 +9003,8 @@
         </p:nvSpPr>
         <p:spPr>
           <a:xfrm>
-            <a:off x="395536" y="1412776"/>
-            <a:ext cx="8640960" cy="4408899"/>
+            <a:off x="-108520" y="1059583"/>
+            <a:ext cx="9145016" cy="3785652"/>
           </a:xfrm>
           <a:prstGeom prst="rect">
             <a:avLst/>
@@ -9090,7 +9150,7 @@
         </p:nvSpPr>
         <p:spPr>
           <a:xfrm>
-            <a:off x="179512" y="1268760"/>
+            <a:off x="179512" y="951570"/>
             <a:ext cx="9073008" cy="3785652"/>
           </a:xfrm>
           <a:prstGeom prst="rect">
@@ -9231,7 +9291,7 @@
         </p:nvSpPr>
         <p:spPr>
           <a:xfrm>
-            <a:off x="179512" y="1268760"/>
+            <a:off x="179512" y="951570"/>
             <a:ext cx="9073008" cy="3046988"/>
           </a:xfrm>
           <a:prstGeom prst="rect">
@@ -9344,7 +9404,7 @@
         <p:spPr/>
         <p:txBody>
           <a:bodyPr>
-            <a:normAutofit/>
+            <a:normAutofit fontScale="90000"/>
           </a:bodyPr>
           <a:lstStyle/>
           <a:p>
@@ -9368,12 +9428,14 @@
         </p:nvSpPr>
         <p:spPr>
           <a:xfrm>
-            <a:off x="457200" y="1197269"/>
-            <a:ext cx="8507288" cy="5040020"/>
+            <a:off x="457200" y="897952"/>
+            <a:ext cx="8507288" cy="3780015"/>
           </a:xfrm>
         </p:spPr>
         <p:txBody>
-          <a:bodyPr/>
+          <a:bodyPr>
+            <a:normAutofit fontScale="92500"/>
+          </a:bodyPr>
           <a:lstStyle/>
           <a:p>
             <a:pPr marL="457200" lvl="1" indent="0">
@@ -9755,7 +9817,9 @@
         </p:nvSpPr>
         <p:spPr/>
         <p:txBody>
-          <a:bodyPr/>
+          <a:bodyPr>
+            <a:normAutofit lnSpcReduction="10000"/>
+          </a:bodyPr>
           <a:lstStyle/>
           <a:p>
             <a:r>
@@ -9819,7 +9883,9 @@
         </p:nvSpPr>
         <p:spPr/>
         <p:txBody>
-          <a:bodyPr/>
+          <a:bodyPr>
+            <a:normAutofit fontScale="90000"/>
+          </a:bodyPr>
           <a:lstStyle/>
           <a:p>
             <a:r>
@@ -9879,8 +9945,8 @@
         </p:nvSpPr>
         <p:spPr>
           <a:xfrm>
-            <a:off x="395536" y="980728"/>
-            <a:ext cx="8136904" cy="5472608"/>
+            <a:off x="395536" y="735546"/>
+            <a:ext cx="8136904" cy="4104456"/>
           </a:xfrm>
         </p:spPr>
         <p:txBody>
@@ -10067,7 +10133,9 @@
         </p:nvSpPr>
         <p:spPr/>
         <p:txBody>
-          <a:bodyPr/>
+          <a:bodyPr>
+            <a:normAutofit fontScale="90000"/>
+          </a:bodyPr>
           <a:lstStyle/>
           <a:p>
             <a:r>
@@ -10160,10 +10228,15 @@
             <p:ph idx="1"/>
           </p:nvPr>
         </p:nvSpPr>
-        <p:spPr/>
+        <p:spPr>
+          <a:xfrm>
+            <a:off x="457200" y="987574"/>
+            <a:ext cx="8229600" cy="3394472"/>
+          </a:xfrm>
+        </p:spPr>
         <p:txBody>
           <a:bodyPr>
-            <a:normAutofit lnSpcReduction="10000"/>
+            <a:normAutofit fontScale="85000" lnSpcReduction="20000"/>
           </a:bodyPr>
           <a:lstStyle/>
           <a:p>
@@ -10245,8 +10318,8 @@
         </p:nvCxnSpPr>
         <p:spPr>
           <a:xfrm rot="5400000">
-            <a:off x="4321967" y="1322135"/>
-            <a:ext cx="357190" cy="1588"/>
+            <a:off x="4366616" y="991403"/>
+            <a:ext cx="267893" cy="1588"/>
           </a:xfrm>
           <a:prstGeom prst="straightConnector1">
             <a:avLst/>
@@ -10283,8 +10356,8 @@
         </p:nvGrpSpPr>
         <p:grpSpPr bwMode="auto">
           <a:xfrm>
-            <a:off x="3643306" y="2143116"/>
-            <a:ext cx="5072066" cy="3429024"/>
+            <a:off x="3643306" y="1607337"/>
+            <a:ext cx="5072066" cy="2571768"/>
             <a:chOff x="3434027" y="3000372"/>
             <a:chExt cx="5371855" cy="3098079"/>
           </a:xfrm>
@@ -10778,7 +10851,7 @@
           <p:spPr bwMode="auto">
             <a:xfrm>
               <a:off x="6786578" y="3000372"/>
-              <a:ext cx="184781" cy="1939989"/>
+              <a:ext cx="195650" cy="2335806"/>
             </a:xfrm>
             <a:prstGeom prst="rect">
               <a:avLst/>
@@ -10818,7 +10891,7 @@
         </p:nvSpPr>
         <p:spPr bwMode="auto">
           <a:xfrm>
-            <a:off x="5786446" y="4000504"/>
+            <a:off x="5786446" y="3000378"/>
             <a:ext cx="642942" cy="1200329"/>
           </a:xfrm>
           <a:prstGeom prst="rect">
@@ -10866,8 +10939,8 @@
         </p:nvSpPr>
         <p:spPr bwMode="auto">
           <a:xfrm>
-            <a:off x="6107917" y="1373792"/>
-            <a:ext cx="1428760" cy="642942"/>
+            <a:off x="6107917" y="1030344"/>
+            <a:ext cx="1428760" cy="482207"/>
           </a:xfrm>
           <a:prstGeom prst="rect">
             <a:avLst/>
@@ -11463,7 +11536,7 @@
         <p:spPr/>
         <p:txBody>
           <a:bodyPr>
-            <a:normAutofit lnSpcReduction="10000"/>
+            <a:normAutofit fontScale="85000" lnSpcReduction="20000"/>
           </a:bodyPr>
           <a:lstStyle/>
           <a:p>
@@ -11556,8 +11629,8 @@
         </p:nvSpPr>
         <p:spPr bwMode="auto">
           <a:xfrm>
-            <a:off x="6519026" y="1785926"/>
-            <a:ext cx="192429" cy="1724348"/>
+            <a:off x="6519027" y="1339445"/>
+            <a:ext cx="184731" cy="1938992"/>
           </a:xfrm>
           <a:prstGeom prst="rect">
             <a:avLst/>
@@ -11603,8 +11676,8 @@
         </p:blipFill>
         <p:spPr bwMode="auto">
           <a:xfrm>
-            <a:off x="700554" y="4769783"/>
-            <a:ext cx="7818465" cy="1552945"/>
+            <a:off x="700555" y="3577338"/>
+            <a:ext cx="7818465" cy="1164709"/>
           </a:xfrm>
           <a:prstGeom prst="rect">
             <a:avLst/>
@@ -11630,8 +11703,8 @@
         </p:nvSpPr>
         <p:spPr bwMode="auto">
           <a:xfrm>
-            <a:off x="3786182" y="1501524"/>
-            <a:ext cx="4714908" cy="2873821"/>
+            <a:off x="3786182" y="1126143"/>
+            <a:ext cx="4714908" cy="2155366"/>
           </a:xfrm>
           <a:prstGeom prst="roundRect">
             <a:avLst>
@@ -11939,8 +12012,8 @@
         </p:nvCxnSpPr>
         <p:spPr>
           <a:xfrm rot="5400000">
-            <a:off x="4321967" y="1322135"/>
-            <a:ext cx="357190" cy="1588"/>
+            <a:off x="4366616" y="991403"/>
+            <a:ext cx="267893" cy="1588"/>
           </a:xfrm>
           <a:prstGeom prst="straightConnector1">
             <a:avLst/>
@@ -12096,8 +12169,8 @@
         </p:nvSpPr>
         <p:spPr>
           <a:xfrm>
-            <a:off x="395536" y="980728"/>
-            <a:ext cx="8136904" cy="5472608"/>
+            <a:off x="395536" y="735546"/>
+            <a:ext cx="8136904" cy="4104456"/>
           </a:xfrm>
         </p:spPr>
         <p:txBody>
@@ -12117,14 +12190,14 @@
               <a:buAutoNum type="arabicPeriod"/>
             </a:pPr>
             <a:r>
-              <a:rPr lang="zh-CN" altLang="en-US" sz="2400" b="1" dirty="0" smtClean="0">
+              <a:rPr lang="zh-CN" altLang="en-US" sz="1600" b="1" dirty="0" smtClean="0">
                 <a:solidFill>
                   <a:srgbClr val="FF0000"/>
                 </a:solidFill>
               </a:rPr>
               <a:t>性能测试与功能测试关系</a:t>
             </a:r>
-            <a:endParaRPr lang="en-US" altLang="zh-CN" sz="2400" b="1" dirty="0" smtClean="0">
+            <a:endParaRPr lang="en-US" altLang="zh-CN" sz="1600" b="1" dirty="0" smtClean="0">
               <a:solidFill>
                 <a:srgbClr val="FF0000"/>
               </a:solidFill>
@@ -12142,10 +12215,10 @@
               <a:buAutoNum type="arabicPeriod"/>
             </a:pPr>
             <a:r>
-              <a:rPr lang="zh-CN" altLang="en-US" sz="2400" b="1" dirty="0" smtClean="0"/>
+              <a:rPr lang="zh-CN" altLang="en-US" sz="1600" b="1" dirty="0" smtClean="0"/>
               <a:t>性能测试目的</a:t>
             </a:r>
-            <a:endParaRPr lang="en-US" altLang="zh-CN" sz="2400" b="1" dirty="0" smtClean="0"/>
+            <a:endParaRPr lang="en-US" altLang="zh-CN" sz="1600" b="1" dirty="0" smtClean="0"/>
           </a:p>
           <a:p>
             <a:pPr marL="742950" indent="-742950">
@@ -12159,10 +12232,10 @@
               <a:buAutoNum type="arabicPeriod"/>
             </a:pPr>
             <a:r>
-              <a:rPr lang="zh-CN" altLang="en-US" sz="2400" b="1" dirty="0" smtClean="0"/>
+              <a:rPr lang="zh-CN" altLang="en-US" sz="1600" b="1" dirty="0" smtClean="0"/>
               <a:t>性能测试分层模型</a:t>
             </a:r>
-            <a:endParaRPr lang="en-US" altLang="zh-CN" sz="2400" b="1" dirty="0" smtClean="0"/>
+            <a:endParaRPr lang="en-US" altLang="zh-CN" sz="1600" b="1" dirty="0" smtClean="0"/>
           </a:p>
           <a:p>
             <a:pPr marL="742950" indent="-742950">
@@ -12176,10 +12249,10 @@
               <a:buAutoNum type="arabicPeriod"/>
             </a:pPr>
             <a:r>
-              <a:rPr lang="zh-CN" altLang="en-US" sz="2400" b="1" dirty="0" smtClean="0"/>
+              <a:rPr lang="zh-CN" altLang="en-US" sz="1600" b="1" dirty="0" smtClean="0"/>
               <a:t>自动化测试的分层模型</a:t>
             </a:r>
-            <a:endParaRPr lang="en-US" altLang="zh-CN" sz="2400" b="1" dirty="0" smtClean="0"/>
+            <a:endParaRPr lang="en-US" altLang="zh-CN" sz="1600" b="1" dirty="0" smtClean="0"/>
           </a:p>
           <a:p>
             <a:pPr marL="742950" indent="-742950">
@@ -12193,10 +12266,10 @@
               <a:buAutoNum type="arabicPeriod"/>
             </a:pPr>
             <a:r>
-              <a:rPr lang="zh-CN" altLang="en-US" sz="2400" b="1" dirty="0" smtClean="0"/>
+              <a:rPr lang="zh-CN" altLang="en-US" sz="1600" b="1" dirty="0" smtClean="0"/>
               <a:t>性能自动化测试优势</a:t>
             </a:r>
-            <a:endParaRPr lang="en-US" altLang="zh-CN" sz="2400" b="1" dirty="0" smtClean="0"/>
+            <a:endParaRPr lang="en-US" altLang="zh-CN" sz="1600" b="1" dirty="0" smtClean="0"/>
           </a:p>
           <a:p>
             <a:pPr marL="742950" indent="-742950">
@@ -12207,10 +12280,10 @@
               <a:buAutoNum type="arabicPeriod" startAt="6"/>
             </a:pPr>
             <a:r>
-              <a:rPr lang="zh-CN" altLang="en-US" sz="2400" b="1" dirty="0"/>
+              <a:rPr lang="zh-CN" altLang="en-US" sz="1600" b="1" dirty="0"/>
               <a:t>性能测试概念与分类</a:t>
             </a:r>
-            <a:endParaRPr lang="en-US" altLang="zh-CN" sz="2400" b="1" dirty="0"/>
+            <a:endParaRPr lang="en-US" altLang="zh-CN" sz="1600" b="1" dirty="0"/>
           </a:p>
           <a:p>
             <a:pPr marL="742950" indent="-742950">
@@ -12221,10 +12294,10 @@
               <a:buAutoNum type="arabicPeriod" startAt="6"/>
             </a:pPr>
             <a:r>
-              <a:rPr lang="zh-CN" altLang="en-US" sz="2400" b="1" dirty="0"/>
+              <a:rPr lang="zh-CN" altLang="en-US" sz="1600" b="1" dirty="0"/>
               <a:t>性能测试术语</a:t>
             </a:r>
-            <a:endParaRPr lang="en-US" altLang="zh-CN" sz="2400" b="1" dirty="0"/>
+            <a:endParaRPr lang="en-US" altLang="zh-CN" sz="1600" b="1" dirty="0"/>
           </a:p>
           <a:p>
             <a:pPr marL="742950" indent="-742950">
@@ -12235,18 +12308,18 @@
               <a:buAutoNum type="arabicPeriod" startAt="6"/>
             </a:pPr>
             <a:r>
-              <a:rPr lang="zh-CN" altLang="en-US" sz="2400" b="1" dirty="0"/>
+              <a:rPr lang="zh-CN" altLang="en-US" sz="1600" b="1" dirty="0"/>
               <a:t>性能测试</a:t>
             </a:r>
             <a:r>
-              <a:rPr lang="zh-CN" altLang="en-US" sz="2400" b="1" dirty="0" smtClean="0"/>
+              <a:rPr lang="zh-CN" altLang="en-US" sz="1600" b="1" dirty="0" smtClean="0"/>
               <a:t>的</a:t>
             </a:r>
             <a:r>
-              <a:rPr lang="zh-CN" altLang="en-US" sz="2400" b="1" dirty="0"/>
+              <a:rPr lang="zh-CN" altLang="en-US" sz="1600" b="1" dirty="0"/>
               <a:t>流程</a:t>
             </a:r>
-            <a:endParaRPr lang="en-US" altLang="zh-CN" sz="2400" b="1" dirty="0"/>
+            <a:endParaRPr lang="en-US" altLang="zh-CN" sz="1600" b="1" dirty="0"/>
           </a:p>
           <a:p>
             <a:pPr marL="742950" indent="-742950">
@@ -12257,7 +12330,7 @@
               <a:buAutoNum type="arabicPeriod" startAt="6"/>
             </a:pPr>
             <a:r>
-              <a:rPr lang="zh-CN" altLang="en-US" sz="2400" b="1" dirty="0"/>
+              <a:rPr lang="zh-CN" altLang="en-US" sz="1600" b="1" dirty="0"/>
               <a:t>导致性能瓶颈的可能性</a:t>
             </a:r>
           </a:p>
@@ -12292,7 +12365,9 @@
         </p:nvSpPr>
         <p:spPr/>
         <p:txBody>
-          <a:bodyPr/>
+          <a:bodyPr>
+            <a:normAutofit fontScale="90000"/>
+          </a:bodyPr>
           <a:lstStyle/>
           <a:p>
             <a:r>
@@ -12388,7 +12463,7 @@
         <p:spPr/>
         <p:txBody>
           <a:bodyPr>
-            <a:normAutofit lnSpcReduction="10000"/>
+            <a:normAutofit fontScale="85000" lnSpcReduction="20000"/>
           </a:bodyPr>
           <a:lstStyle/>
           <a:p>
@@ -12481,8 +12556,8 @@
         </p:nvSpPr>
         <p:spPr bwMode="auto">
           <a:xfrm>
-            <a:off x="6519026" y="1785926"/>
-            <a:ext cx="192429" cy="1724348"/>
+            <a:off x="6519027" y="1339445"/>
+            <a:ext cx="184731" cy="1938992"/>
           </a:xfrm>
           <a:prstGeom prst="rect">
             <a:avLst/>
@@ -12521,8 +12596,8 @@
         </p:nvSpPr>
         <p:spPr bwMode="auto">
           <a:xfrm>
-            <a:off x="3500430" y="4143380"/>
-            <a:ext cx="5072098" cy="1357322"/>
+            <a:off x="3500430" y="3107535"/>
+            <a:ext cx="5072098" cy="1017992"/>
           </a:xfrm>
           <a:prstGeom prst="roundRect">
             <a:avLst>
@@ -12695,8 +12770,8 @@
         </p:nvCxnSpPr>
         <p:spPr>
           <a:xfrm rot="5400000">
-            <a:off x="4321967" y="1322135"/>
-            <a:ext cx="357190" cy="1588"/>
+            <a:off x="4366616" y="991403"/>
+            <a:ext cx="267893" cy="1588"/>
           </a:xfrm>
           <a:prstGeom prst="straightConnector1">
             <a:avLst/>
@@ -12773,7 +12848,9 @@
         </p:nvSpPr>
         <p:spPr/>
         <p:txBody>
-          <a:bodyPr/>
+          <a:bodyPr>
+            <a:normAutofit fontScale="90000"/>
+          </a:bodyPr>
           <a:lstStyle/>
           <a:p>
             <a:r>
@@ -12813,7 +12890,7 @@
         <p:spPr/>
         <p:txBody>
           <a:bodyPr>
-            <a:normAutofit lnSpcReduction="10000"/>
+            <a:normAutofit fontScale="85000" lnSpcReduction="20000"/>
           </a:bodyPr>
           <a:lstStyle/>
           <a:p>
@@ -12906,8 +12983,8 @@
         </p:nvSpPr>
         <p:spPr bwMode="auto">
           <a:xfrm>
-            <a:off x="6519026" y="1785926"/>
-            <a:ext cx="192429" cy="1724348"/>
+            <a:off x="6519027" y="1339445"/>
+            <a:ext cx="184731" cy="1938992"/>
           </a:xfrm>
           <a:prstGeom prst="rect">
             <a:avLst/>
@@ -12946,8 +13023,8 @@
         </p:nvSpPr>
         <p:spPr bwMode="auto">
           <a:xfrm>
-            <a:off x="681314" y="4231078"/>
-            <a:ext cx="7781368" cy="2384873"/>
+            <a:off x="681314" y="3173309"/>
+            <a:ext cx="7781368" cy="1788655"/>
           </a:xfrm>
           <a:prstGeom prst="roundRect">
             <a:avLst>
@@ -13269,7 +13346,7 @@
         </p:nvSpPr>
         <p:spPr>
           <a:xfrm>
-            <a:off x="6000760" y="2165986"/>
+            <a:off x="6000760" y="1624490"/>
             <a:ext cx="1785950" cy="1477328"/>
           </a:xfrm>
           <a:prstGeom prst="rect">
@@ -13486,8 +13563,8 @@
         </p:nvCxnSpPr>
         <p:spPr>
           <a:xfrm rot="5400000">
-            <a:off x="4321967" y="1322135"/>
-            <a:ext cx="357190" cy="1588"/>
+            <a:off x="4366616" y="991403"/>
+            <a:ext cx="267893" cy="1588"/>
           </a:xfrm>
           <a:prstGeom prst="straightConnector1">
             <a:avLst/>
@@ -13643,7 +13720,9 @@
         </p:nvSpPr>
         <p:spPr/>
         <p:txBody>
-          <a:bodyPr/>
+          <a:bodyPr>
+            <a:normAutofit fontScale="90000"/>
+          </a:bodyPr>
           <a:lstStyle/>
           <a:p>
             <a:r>
@@ -13683,7 +13762,7 @@
         <p:spPr/>
         <p:txBody>
           <a:bodyPr>
-            <a:normAutofit lnSpcReduction="10000"/>
+            <a:normAutofit fontScale="85000" lnSpcReduction="20000"/>
           </a:bodyPr>
           <a:lstStyle/>
           <a:p>
@@ -13776,8 +13855,8 @@
         </p:nvSpPr>
         <p:spPr bwMode="auto">
           <a:xfrm>
-            <a:off x="6519026" y="1785926"/>
-            <a:ext cx="192429" cy="1724348"/>
+            <a:off x="6519027" y="1339445"/>
+            <a:ext cx="184731" cy="1938992"/>
           </a:xfrm>
           <a:prstGeom prst="rect">
             <a:avLst/>
@@ -13816,8 +13895,8 @@
         </p:nvSpPr>
         <p:spPr bwMode="auto">
           <a:xfrm>
-            <a:off x="2635602" y="4231309"/>
-            <a:ext cx="6060162" cy="1595702"/>
+            <a:off x="2635602" y="3173482"/>
+            <a:ext cx="6060162" cy="1196777"/>
           </a:xfrm>
           <a:prstGeom prst="roundRect">
             <a:avLst>
@@ -13960,8 +14039,8 @@
         </p:nvCxnSpPr>
         <p:spPr>
           <a:xfrm rot="5400000">
-            <a:off x="4321967" y="1322135"/>
-            <a:ext cx="357190" cy="1588"/>
+            <a:off x="4366616" y="991403"/>
+            <a:ext cx="267893" cy="1588"/>
           </a:xfrm>
           <a:prstGeom prst="straightConnector1">
             <a:avLst/>
@@ -14038,7 +14117,9 @@
         </p:nvSpPr>
         <p:spPr/>
         <p:txBody>
-          <a:bodyPr/>
+          <a:bodyPr>
+            <a:normAutofit fontScale="90000"/>
+          </a:bodyPr>
           <a:lstStyle/>
           <a:p>
             <a:r>
@@ -14078,7 +14159,7 @@
         <p:spPr/>
         <p:txBody>
           <a:bodyPr>
-            <a:normAutofit lnSpcReduction="10000"/>
+            <a:normAutofit fontScale="85000" lnSpcReduction="20000"/>
           </a:bodyPr>
           <a:lstStyle/>
           <a:p>
@@ -14171,8 +14252,8 @@
         </p:nvSpPr>
         <p:spPr bwMode="auto">
           <a:xfrm>
-            <a:off x="6519026" y="1785926"/>
-            <a:ext cx="192429" cy="1724348"/>
+            <a:off x="6519027" y="1339445"/>
+            <a:ext cx="184731" cy="1938992"/>
           </a:xfrm>
           <a:prstGeom prst="rect">
             <a:avLst/>
@@ -14211,8 +14292,8 @@
         </p:nvSpPr>
         <p:spPr bwMode="auto">
           <a:xfrm>
-            <a:off x="699252" y="2797315"/>
-            <a:ext cx="7835148" cy="1785950"/>
+            <a:off x="699252" y="2097986"/>
+            <a:ext cx="7835148" cy="1339463"/>
           </a:xfrm>
           <a:prstGeom prst="roundRect">
             <a:avLst>
@@ -14472,8 +14553,8 @@
         </p:nvCxnSpPr>
         <p:spPr>
           <a:xfrm rot="5400000">
-            <a:off x="4321967" y="1322135"/>
-            <a:ext cx="357190" cy="1588"/>
+            <a:off x="4366616" y="991403"/>
+            <a:ext cx="267893" cy="1588"/>
           </a:xfrm>
           <a:prstGeom prst="straightConnector1">
             <a:avLst/>
@@ -14602,7 +14683,7 @@
         <p:spPr/>
         <p:txBody>
           <a:bodyPr>
-            <a:normAutofit lnSpcReduction="10000"/>
+            <a:normAutofit fontScale="85000" lnSpcReduction="20000"/>
           </a:bodyPr>
           <a:lstStyle/>
           <a:p>
@@ -14695,8 +14776,8 @@
         </p:nvSpPr>
         <p:spPr bwMode="auto">
           <a:xfrm>
-            <a:off x="6519026" y="1785926"/>
-            <a:ext cx="192429" cy="1724348"/>
+            <a:off x="6519027" y="1339445"/>
+            <a:ext cx="184731" cy="1938992"/>
           </a:xfrm>
           <a:prstGeom prst="rect">
             <a:avLst/>
@@ -14735,8 +14816,8 @@
         </p:nvSpPr>
         <p:spPr bwMode="auto">
           <a:xfrm>
-            <a:off x="3286116" y="4143380"/>
-            <a:ext cx="5286412" cy="1785950"/>
+            <a:off x="3286116" y="3107535"/>
+            <a:ext cx="5286412" cy="1339463"/>
           </a:xfrm>
           <a:prstGeom prst="roundRect">
             <a:avLst>
@@ -14906,8 +14987,8 @@
         </p:nvCxnSpPr>
         <p:spPr>
           <a:xfrm rot="5400000">
-            <a:off x="4321967" y="1322135"/>
-            <a:ext cx="357190" cy="1588"/>
+            <a:off x="4366616" y="991403"/>
+            <a:ext cx="267893" cy="1588"/>
           </a:xfrm>
           <a:prstGeom prst="straightConnector1">
             <a:avLst/>
@@ -14984,8 +15065,8 @@
         </p:nvSpPr>
         <p:spPr>
           <a:xfrm>
-            <a:off x="395536" y="980728"/>
-            <a:ext cx="8136904" cy="5472608"/>
+            <a:off x="395536" y="735546"/>
+            <a:ext cx="8136904" cy="4104456"/>
           </a:xfrm>
         </p:spPr>
         <p:txBody>
@@ -15188,7 +15269,9 @@
         </p:nvSpPr>
         <p:spPr/>
         <p:txBody>
-          <a:bodyPr/>
+          <a:bodyPr>
+            <a:normAutofit fontScale="90000"/>
+          </a:bodyPr>
           <a:lstStyle/>
           <a:p>
             <a:r>
@@ -15248,7 +15331,9 @@
         </p:nvSpPr>
         <p:spPr/>
         <p:txBody>
-          <a:bodyPr/>
+          <a:bodyPr>
+            <a:normAutofit fontScale="90000"/>
+          </a:bodyPr>
           <a:lstStyle/>
           <a:p>
             <a:r>
@@ -15267,8 +15352,8 @@
         </p:nvSpPr>
         <p:spPr>
           <a:xfrm>
-            <a:off x="539552" y="1196752"/>
-            <a:ext cx="2232248" cy="1440160"/>
+            <a:off x="539552" y="897564"/>
+            <a:ext cx="2232248" cy="1080120"/>
           </a:xfrm>
           <a:prstGeom prst="ellipse">
             <a:avLst/>
@@ -15325,8 +15410,8 @@
         </p:nvSpPr>
         <p:spPr>
           <a:xfrm>
-            <a:off x="323528" y="4365104"/>
-            <a:ext cx="2232248" cy="1440160"/>
+            <a:off x="323528" y="3273828"/>
+            <a:ext cx="2232248" cy="1080120"/>
           </a:xfrm>
           <a:prstGeom prst="ellipse">
             <a:avLst/>
@@ -15383,8 +15468,8 @@
         </p:nvSpPr>
         <p:spPr>
           <a:xfrm>
-            <a:off x="3668453" y="1196752"/>
-            <a:ext cx="2232248" cy="1440160"/>
+            <a:off x="3668453" y="897564"/>
+            <a:ext cx="2232248" cy="1080120"/>
           </a:xfrm>
           <a:prstGeom prst="ellipse">
             <a:avLst/>
@@ -15441,8 +15526,8 @@
         </p:nvSpPr>
         <p:spPr>
           <a:xfrm>
-            <a:off x="3652846" y="4376428"/>
-            <a:ext cx="2232248" cy="1440160"/>
+            <a:off x="3652846" y="3282321"/>
+            <a:ext cx="2232248" cy="1080120"/>
           </a:xfrm>
           <a:prstGeom prst="ellipse">
             <a:avLst/>
@@ -15499,8 +15584,8 @@
         </p:nvSpPr>
         <p:spPr>
           <a:xfrm>
-            <a:off x="6588224" y="1162182"/>
-            <a:ext cx="2232248" cy="1440160"/>
+            <a:off x="6588224" y="871637"/>
+            <a:ext cx="2232248" cy="1080120"/>
           </a:xfrm>
           <a:prstGeom prst="ellipse">
             <a:avLst/>
@@ -15557,8 +15642,8 @@
         </p:nvSpPr>
         <p:spPr>
           <a:xfrm>
-            <a:off x="6588224" y="4449434"/>
-            <a:ext cx="2232248" cy="1440160"/>
+            <a:off x="6588224" y="3337076"/>
+            <a:ext cx="2232248" cy="1080120"/>
           </a:xfrm>
           <a:prstGeom prst="ellipse">
             <a:avLst/>
@@ -15617,8 +15702,8 @@
         </p:nvCxnSpPr>
         <p:spPr>
           <a:xfrm>
-            <a:off x="1655676" y="2636912"/>
-            <a:ext cx="0" cy="1728192"/>
+            <a:off x="1655676" y="1977684"/>
+            <a:ext cx="0" cy="1296144"/>
           </a:xfrm>
           <a:prstGeom prst="straightConnector1">
             <a:avLst/>
@@ -15651,8 +15736,8 @@
         </p:nvCxnSpPr>
         <p:spPr>
           <a:xfrm flipV="1">
-            <a:off x="2521913" y="2569387"/>
-            <a:ext cx="1584176" cy="2232248"/>
+            <a:off x="2521913" y="1927040"/>
+            <a:ext cx="1584176" cy="1674186"/>
           </a:xfrm>
           <a:prstGeom prst="straightConnector1">
             <a:avLst/>
@@ -15685,8 +15770,8 @@
         </p:nvCxnSpPr>
         <p:spPr>
           <a:xfrm>
-            <a:off x="4817641" y="2636912"/>
-            <a:ext cx="0" cy="1728192"/>
+            <a:off x="4817641" y="1977684"/>
+            <a:ext cx="0" cy="1296144"/>
           </a:xfrm>
           <a:prstGeom prst="straightConnector1">
             <a:avLst/>
@@ -15721,8 +15806,8 @@
         </p:nvCxnSpPr>
         <p:spPr>
           <a:xfrm flipV="1">
-            <a:off x="5652120" y="2391435"/>
-            <a:ext cx="1263009" cy="2261701"/>
+            <a:off x="5652121" y="1793577"/>
+            <a:ext cx="1263009" cy="1696276"/>
           </a:xfrm>
           <a:prstGeom prst="straightConnector1">
             <a:avLst/>
@@ -15755,8 +15840,8 @@
         </p:nvCxnSpPr>
         <p:spPr>
           <a:xfrm>
-            <a:off x="7704348" y="2637202"/>
-            <a:ext cx="0" cy="1728192"/>
+            <a:off x="7704348" y="1977902"/>
+            <a:ext cx="0" cy="1296144"/>
           </a:xfrm>
           <a:prstGeom prst="straightConnector1">
             <a:avLst/>
@@ -15830,13 +15915,13 @@
         </p:nvSpPr>
         <p:spPr>
           <a:xfrm>
-            <a:off x="251520" y="1517259"/>
-            <a:ext cx="8229600" cy="4525963"/>
+            <a:off x="251520" y="1137945"/>
+            <a:ext cx="8229600" cy="3394472"/>
           </a:xfrm>
         </p:spPr>
         <p:txBody>
           <a:bodyPr>
-            <a:normAutofit/>
+            <a:normAutofit lnSpcReduction="10000"/>
           </a:bodyPr>
           <a:lstStyle/>
           <a:p>
@@ -15916,7 +16001,9 @@
         </p:nvSpPr>
         <p:spPr/>
         <p:txBody>
-          <a:bodyPr/>
+          <a:bodyPr>
+            <a:normAutofit fontScale="90000"/>
+          </a:bodyPr>
           <a:lstStyle/>
           <a:p>
             <a:r>
@@ -15939,7 +16026,7 @@
         </p:nvSpPr>
         <p:spPr>
           <a:xfrm>
-            <a:off x="4788024" y="1484784"/>
+            <a:off x="4788024" y="1113588"/>
             <a:ext cx="4752528" cy="3207032"/>
           </a:xfrm>
           <a:prstGeom prst="rect">
@@ -16155,7 +16242,9 @@
         </p:nvSpPr>
         <p:spPr/>
         <p:txBody>
-          <a:bodyPr/>
+          <a:bodyPr>
+            <a:normAutofit fontScale="90000"/>
+          </a:bodyPr>
           <a:lstStyle/>
           <a:p>
             <a:r>
@@ -16217,10 +16306,15 @@
             <p:ph idx="1"/>
           </p:nvPr>
         </p:nvSpPr>
-        <p:spPr/>
+        <p:spPr>
+          <a:xfrm>
+            <a:off x="467544" y="843558"/>
+            <a:ext cx="8229600" cy="3394472"/>
+          </a:xfrm>
+        </p:spPr>
         <p:txBody>
           <a:bodyPr>
-            <a:normAutofit/>
+            <a:normAutofit fontScale="85000" lnSpcReduction="20000"/>
           </a:bodyPr>
           <a:lstStyle/>
           <a:p>
@@ -16307,7 +16401,9 @@
         </p:nvSpPr>
         <p:spPr/>
         <p:txBody>
-          <a:bodyPr/>
+          <a:bodyPr>
+            <a:normAutofit fontScale="90000"/>
+          </a:bodyPr>
           <a:lstStyle/>
           <a:p>
             <a:r>
@@ -16404,7 +16500,12 @@
             <p:ph idx="1"/>
           </p:nvPr>
         </p:nvSpPr>
-        <p:spPr/>
+        <p:spPr>
+          <a:xfrm>
+            <a:off x="415781" y="699542"/>
+            <a:ext cx="8229600" cy="3394472"/>
+          </a:xfrm>
+        </p:spPr>
         <p:txBody>
           <a:bodyPr/>
           <a:lstStyle/>
@@ -16474,8 +16575,8 @@
         </p:blipFill>
         <p:spPr>
           <a:xfrm>
-            <a:off x="1397833" y="3963076"/>
-            <a:ext cx="1612242" cy="1589210"/>
+            <a:off x="1407179" y="3951592"/>
+            <a:ext cx="1612242" cy="1191908"/>
           </a:xfrm>
           <a:prstGeom prst="rect">
             <a:avLst/>
@@ -16498,8 +16599,8 @@
         </p:blipFill>
         <p:spPr>
           <a:xfrm>
-            <a:off x="4805321" y="3660416"/>
-            <a:ext cx="3106338" cy="2055993"/>
+            <a:off x="4805321" y="2745312"/>
+            <a:ext cx="3106338" cy="1541995"/>
           </a:xfrm>
           <a:prstGeom prst="rect">
             <a:avLst/>
@@ -16514,8 +16615,8 @@
         </p:nvSpPr>
         <p:spPr bwMode="auto">
           <a:xfrm>
-            <a:off x="3283782" y="4450317"/>
-            <a:ext cx="1172308" cy="492371"/>
+            <a:off x="3283782" y="3337738"/>
+            <a:ext cx="1172308" cy="369278"/>
           </a:xfrm>
           <a:prstGeom prst="rightArrow">
             <a:avLst/>
@@ -16594,8 +16695,8 @@
         </p:nvSpPr>
         <p:spPr>
           <a:xfrm>
-            <a:off x="6106340" y="1447499"/>
-            <a:ext cx="2037384" cy="646331"/>
+            <a:off x="6106164" y="1085625"/>
+            <a:ext cx="2037737" cy="646331"/>
           </a:xfrm>
           <a:prstGeom prst="rect">
             <a:avLst/>
@@ -16711,8 +16812,8 @@
         </p:nvCxnSpPr>
         <p:spPr>
           <a:xfrm flipV="1">
-            <a:off x="3998795" y="2093830"/>
-            <a:ext cx="2229389" cy="398496"/>
+            <a:off x="3998796" y="1271501"/>
+            <a:ext cx="2229389" cy="298872"/>
           </a:xfrm>
           <a:prstGeom prst="straightConnector1">
             <a:avLst/>
@@ -16745,8 +16846,8 @@
         </p:nvSpPr>
         <p:spPr>
           <a:xfrm>
-            <a:off x="6358490" y="2881986"/>
-            <a:ext cx="2037384" cy="646331"/>
+            <a:off x="6358314" y="2161490"/>
+            <a:ext cx="2037737" cy="646331"/>
           </a:xfrm>
           <a:prstGeom prst="rect">
             <a:avLst/>
@@ -16862,8 +16963,8 @@
         </p:nvCxnSpPr>
         <p:spPr>
           <a:xfrm flipV="1">
-            <a:off x="3964953" y="3363726"/>
-            <a:ext cx="2428892" cy="296690"/>
+            <a:off x="3964953" y="2522794"/>
+            <a:ext cx="2428892" cy="222518"/>
           </a:xfrm>
           <a:prstGeom prst="straightConnector1">
             <a:avLst/>
@@ -16896,8 +16997,8 @@
         </p:nvCxnSpPr>
         <p:spPr>
           <a:xfrm flipV="1">
-            <a:off x="3131840" y="1751462"/>
-            <a:ext cx="2797482" cy="82684"/>
+            <a:off x="3131840" y="1040844"/>
+            <a:ext cx="2797482" cy="62013"/>
           </a:xfrm>
           <a:prstGeom prst="straightConnector1">
             <a:avLst/>
@@ -16930,7 +17031,7 @@
         </p:nvCxnSpPr>
         <p:spPr>
           <a:xfrm>
-            <a:off x="3283782" y="3008124"/>
+            <a:off x="3283782" y="2256093"/>
             <a:ext cx="2428892" cy="0"/>
           </a:xfrm>
           <a:prstGeom prst="straightConnector1">
@@ -17446,7 +17547,9 @@
         </p:nvSpPr>
         <p:spPr/>
         <p:txBody>
-          <a:bodyPr/>
+          <a:bodyPr>
+            <a:normAutofit fontScale="90000"/>
+          </a:bodyPr>
           <a:lstStyle/>
           <a:p>
             <a:r>
@@ -17568,7 +17671,9 @@
         </p:nvSpPr>
         <p:spPr/>
         <p:txBody>
-          <a:bodyPr/>
+          <a:bodyPr>
+            <a:normAutofit fontScale="90000"/>
+          </a:bodyPr>
           <a:lstStyle/>
           <a:p>
             <a:r>
@@ -17632,8 +17737,8 @@
         </p:nvSpPr>
         <p:spPr>
           <a:xfrm>
-            <a:off x="179512" y="1486262"/>
-            <a:ext cx="8229600" cy="4525963"/>
+            <a:off x="179512" y="1114697"/>
+            <a:ext cx="8229600" cy="3394472"/>
           </a:xfrm>
         </p:spPr>
         <p:txBody>
@@ -17697,7 +17802,9 @@
         </p:nvSpPr>
         <p:spPr/>
         <p:txBody>
-          <a:bodyPr/>
+          <a:bodyPr>
+            <a:normAutofit fontScale="90000"/>
+          </a:bodyPr>
           <a:lstStyle/>
           <a:p>
             <a:r>
@@ -17720,7 +17827,7 @@
         </p:nvSpPr>
         <p:spPr>
           <a:xfrm>
-            <a:off x="4788024" y="1149108"/>
+            <a:off x="4788024" y="861831"/>
             <a:ext cx="4248472" cy="4487382"/>
           </a:xfrm>
           <a:prstGeom prst="rect">
@@ -17880,8 +17987,8 @@
         </p:nvSpPr>
         <p:spPr>
           <a:xfrm>
-            <a:off x="395536" y="980728"/>
-            <a:ext cx="8136904" cy="5472608"/>
+            <a:off x="395536" y="735546"/>
+            <a:ext cx="8136904" cy="4104456"/>
           </a:xfrm>
         </p:spPr>
         <p:txBody>
@@ -18064,7 +18171,9 @@
         </p:nvSpPr>
         <p:spPr/>
         <p:txBody>
-          <a:bodyPr/>
+          <a:bodyPr>
+            <a:normAutofit fontScale="90000"/>
+          </a:bodyPr>
           <a:lstStyle/>
           <a:p>
             <a:r>
@@ -18253,7 +18362,9 @@
         </p:nvSpPr>
         <p:spPr/>
         <p:txBody>
-          <a:bodyPr/>
+          <a:bodyPr>
+            <a:normAutofit fontScale="90000"/>
+          </a:bodyPr>
           <a:lstStyle/>
           <a:p>
             <a:r>
@@ -18284,12 +18395,14 @@
         </p:nvSpPr>
         <p:spPr>
           <a:xfrm>
-            <a:off x="467544" y="1265497"/>
-            <a:ext cx="8229600" cy="4525963"/>
+            <a:off x="467544" y="949123"/>
+            <a:ext cx="8229600" cy="3394472"/>
           </a:xfrm>
         </p:spPr>
         <p:txBody>
-          <a:bodyPr/>
+          <a:bodyPr>
+            <a:normAutofit fontScale="92500" lnSpcReduction="20000"/>
+          </a:bodyPr>
           <a:lstStyle/>
           <a:p>
             <a:r>
@@ -18436,8 +18549,8 @@
         </p:nvSpPr>
         <p:spPr bwMode="gray">
           <a:xfrm rot="5400000" flipH="1">
-            <a:off x="3899385" y="1903748"/>
-            <a:ext cx="3128587" cy="5970587"/>
+            <a:off x="4290459" y="681488"/>
+            <a:ext cx="2346440" cy="5970587"/>
           </a:xfrm>
           <a:custGeom>
             <a:avLst/>
@@ -18885,7 +18998,7 @@
         </p:nvSpPr>
         <p:spPr>
           <a:xfrm>
-            <a:off x="1863642" y="5825760"/>
+            <a:off x="1863642" y="4369321"/>
             <a:ext cx="1857388" cy="584775"/>
           </a:xfrm>
           <a:prstGeom prst="rect">
@@ -18927,7 +19040,7 @@
         </p:nvSpPr>
         <p:spPr>
           <a:xfrm>
-            <a:off x="5040669" y="3850717"/>
+            <a:off x="5040669" y="2888038"/>
             <a:ext cx="1857388" cy="584775"/>
           </a:xfrm>
           <a:prstGeom prst="rect">
@@ -18971,8 +19084,8 @@
         </p:nvSpPr>
         <p:spPr bwMode="auto">
           <a:xfrm>
-            <a:off x="7020211" y="2572578"/>
-            <a:ext cx="1428760" cy="642942"/>
+            <a:off x="7020211" y="1929433"/>
+            <a:ext cx="1428760" cy="482207"/>
           </a:xfrm>
           <a:prstGeom prst="rect">
             <a:avLst/>
@@ -19443,8 +19556,8 @@
         </p:nvSpPr>
         <p:spPr>
           <a:xfrm>
-            <a:off x="395536" y="980728"/>
-            <a:ext cx="8136904" cy="5472608"/>
+            <a:off x="395536" y="735546"/>
+            <a:ext cx="8136904" cy="4104456"/>
           </a:xfrm>
         </p:spPr>
         <p:txBody>
@@ -19464,10 +19577,10 @@
               <a:buAutoNum type="arabicPeriod"/>
             </a:pPr>
             <a:r>
-              <a:rPr lang="zh-CN" altLang="en-US" sz="2400" b="1" dirty="0" smtClean="0"/>
+              <a:rPr lang="zh-CN" altLang="en-US" sz="1800" b="1" dirty="0" smtClean="0"/>
               <a:t>性能测试与功能测试关系</a:t>
             </a:r>
-            <a:endParaRPr lang="en-US" altLang="zh-CN" sz="2400" b="1" dirty="0" smtClean="0"/>
+            <a:endParaRPr lang="en-US" altLang="zh-CN" sz="1800" b="1" dirty="0" smtClean="0"/>
           </a:p>
           <a:p>
             <a:pPr marL="742950" indent="-742950">
@@ -19481,14 +19594,14 @@
               <a:buAutoNum type="arabicPeriod"/>
             </a:pPr>
             <a:r>
-              <a:rPr lang="zh-CN" altLang="en-US" sz="2400" b="1" dirty="0" smtClean="0">
+              <a:rPr lang="zh-CN" altLang="en-US" sz="1800" b="1" dirty="0" smtClean="0">
                 <a:solidFill>
                   <a:srgbClr val="FF0000"/>
                 </a:solidFill>
               </a:rPr>
               <a:t>性能测试目的</a:t>
             </a:r>
-            <a:endParaRPr lang="en-US" altLang="zh-CN" sz="2400" b="1" dirty="0" smtClean="0">
+            <a:endParaRPr lang="en-US" altLang="zh-CN" sz="1800" b="1" dirty="0" smtClean="0">
               <a:solidFill>
                 <a:srgbClr val="FF0000"/>
               </a:solidFill>
@@ -19506,10 +19619,10 @@
               <a:buAutoNum type="arabicPeriod"/>
             </a:pPr>
             <a:r>
-              <a:rPr lang="zh-CN" altLang="en-US" sz="2400" b="1" dirty="0" smtClean="0"/>
+              <a:rPr lang="zh-CN" altLang="en-US" sz="1800" b="1" dirty="0" smtClean="0"/>
               <a:t>性能测试分层模型</a:t>
             </a:r>
-            <a:endParaRPr lang="en-US" altLang="zh-CN" sz="2400" b="1" dirty="0" smtClean="0"/>
+            <a:endParaRPr lang="en-US" altLang="zh-CN" sz="1800" b="1" dirty="0" smtClean="0"/>
           </a:p>
           <a:p>
             <a:pPr marL="742950" indent="-742950">
@@ -19523,10 +19636,10 @@
               <a:buAutoNum type="arabicPeriod"/>
             </a:pPr>
             <a:r>
-              <a:rPr lang="zh-CN" altLang="en-US" sz="2400" b="1" dirty="0" smtClean="0"/>
+              <a:rPr lang="zh-CN" altLang="en-US" sz="1800" b="1" dirty="0" smtClean="0"/>
               <a:t>自动化测试的分层模型</a:t>
             </a:r>
-            <a:endParaRPr lang="en-US" altLang="zh-CN" sz="2400" b="1" dirty="0" smtClean="0"/>
+            <a:endParaRPr lang="en-US" altLang="zh-CN" sz="1800" b="1" dirty="0" smtClean="0"/>
           </a:p>
           <a:p>
             <a:pPr marL="742950" indent="-742950">
@@ -19540,10 +19653,10 @@
               <a:buAutoNum type="arabicPeriod"/>
             </a:pPr>
             <a:r>
-              <a:rPr lang="zh-CN" altLang="en-US" sz="2400" b="1" dirty="0" smtClean="0"/>
+              <a:rPr lang="zh-CN" altLang="en-US" sz="1800" b="1" dirty="0" smtClean="0"/>
               <a:t>性能自动化测试优势</a:t>
             </a:r>
-            <a:endParaRPr lang="en-US" altLang="zh-CN" sz="2400" b="1" dirty="0" smtClean="0"/>
+            <a:endParaRPr lang="en-US" altLang="zh-CN" sz="1800" b="1" dirty="0" smtClean="0"/>
           </a:p>
           <a:p>
             <a:pPr marL="742950" indent="-742950">
@@ -19554,10 +19667,10 @@
               <a:buAutoNum type="arabicPeriod" startAt="6"/>
             </a:pPr>
             <a:r>
-              <a:rPr lang="zh-CN" altLang="en-US" sz="2400" b="1" dirty="0"/>
+              <a:rPr lang="zh-CN" altLang="en-US" sz="1800" b="1" dirty="0"/>
               <a:t>性能测试概念与分类</a:t>
             </a:r>
-            <a:endParaRPr lang="en-US" altLang="zh-CN" sz="2400" b="1" dirty="0"/>
+            <a:endParaRPr lang="en-US" altLang="zh-CN" sz="1800" b="1" dirty="0"/>
           </a:p>
           <a:p>
             <a:pPr marL="742950" indent="-742950">
@@ -19568,10 +19681,10 @@
               <a:buAutoNum type="arabicPeriod" startAt="6"/>
             </a:pPr>
             <a:r>
-              <a:rPr lang="zh-CN" altLang="en-US" sz="2400" b="1" dirty="0"/>
+              <a:rPr lang="zh-CN" altLang="en-US" sz="1800" b="1" dirty="0"/>
               <a:t>性能测试术语</a:t>
             </a:r>
-            <a:endParaRPr lang="en-US" altLang="zh-CN" sz="2400" b="1" dirty="0"/>
+            <a:endParaRPr lang="en-US" altLang="zh-CN" sz="1800" b="1" dirty="0"/>
           </a:p>
           <a:p>
             <a:pPr marL="742950" indent="-742950">
@@ -19582,14 +19695,14 @@
               <a:buAutoNum type="arabicPeriod" startAt="6"/>
             </a:pPr>
             <a:r>
-              <a:rPr lang="zh-CN" altLang="en-US" sz="2400" b="1" dirty="0"/>
+              <a:rPr lang="zh-CN" altLang="en-US" sz="1800" b="1" dirty="0"/>
               <a:t>性能测试</a:t>
             </a:r>
             <a:r>
-              <a:rPr lang="zh-CN" altLang="en-US" sz="2400" b="1" dirty="0" smtClean="0"/>
+              <a:rPr lang="zh-CN" altLang="en-US" sz="1800" b="1" dirty="0" smtClean="0"/>
               <a:t>的流程</a:t>
             </a:r>
-            <a:endParaRPr lang="en-US" altLang="zh-CN" sz="2400" b="1" dirty="0" smtClean="0"/>
+            <a:endParaRPr lang="en-US" altLang="zh-CN" sz="1800" b="1" dirty="0" smtClean="0"/>
           </a:p>
           <a:p>
             <a:pPr marL="742950" indent="-742950">
@@ -19600,11 +19713,11 @@
               <a:buAutoNum type="arabicPeriod" startAt="6"/>
             </a:pPr>
             <a:r>
-              <a:rPr lang="zh-CN" altLang="en-US" sz="2400" b="1" dirty="0" smtClean="0"/>
+              <a:rPr lang="zh-CN" altLang="en-US" sz="1800" b="1" dirty="0" smtClean="0"/>
               <a:t>导致</a:t>
             </a:r>
             <a:r>
-              <a:rPr lang="zh-CN" altLang="en-US" sz="2400" b="1" dirty="0"/>
+              <a:rPr lang="zh-CN" altLang="en-US" sz="1800" b="1" dirty="0"/>
               <a:t>性能瓶颈的可能性</a:t>
             </a:r>
           </a:p>
@@ -19619,7 +19732,7 @@
               <a:buFont typeface="+mj-lt"/>
               <a:buAutoNum type="arabicPeriod"/>
             </a:pPr>
-            <a:endParaRPr lang="zh-CN" altLang="en-US" sz="2400" b="1" dirty="0">
+            <a:endParaRPr lang="zh-CN" altLang="en-US" sz="1800" b="1" dirty="0">
               <a:solidFill>
                 <a:srgbClr val="FF0000"/>
               </a:solidFill>
@@ -19639,7 +19752,9 @@
         </p:nvSpPr>
         <p:spPr/>
         <p:txBody>
-          <a:bodyPr/>
+          <a:bodyPr>
+            <a:normAutofit fontScale="90000"/>
+          </a:bodyPr>
           <a:lstStyle/>
           <a:p>
             <a:r>
@@ -19699,13 +19814,13 @@
         </p:nvSpPr>
         <p:spPr>
           <a:xfrm>
-            <a:off x="395536" y="1268760"/>
-            <a:ext cx="8229600" cy="4525963"/>
+            <a:off x="395536" y="951571"/>
+            <a:ext cx="8229600" cy="3394472"/>
           </a:xfrm>
         </p:spPr>
         <p:txBody>
           <a:bodyPr>
-            <a:normAutofit/>
+            <a:normAutofit fontScale="92500" lnSpcReduction="20000"/>
           </a:bodyPr>
           <a:lstStyle/>
           <a:p>
@@ -19814,7 +19929,9 @@
         </p:nvSpPr>
         <p:spPr/>
         <p:txBody>
-          <a:bodyPr/>
+          <a:bodyPr>
+            <a:normAutofit fontScale="90000"/>
+          </a:bodyPr>
           <a:lstStyle/>
           <a:p>
             <a:r>
@@ -19874,8 +19991,8 @@
         </p:nvSpPr>
         <p:spPr>
           <a:xfrm>
-            <a:off x="395536" y="980728"/>
-            <a:ext cx="8136904" cy="5472608"/>
+            <a:off x="395536" y="735546"/>
+            <a:ext cx="8136904" cy="4104456"/>
           </a:xfrm>
         </p:spPr>
         <p:txBody>
@@ -19895,10 +20012,10 @@
               <a:buAutoNum type="arabicPeriod"/>
             </a:pPr>
             <a:r>
-              <a:rPr lang="zh-CN" altLang="en-US" sz="2400" b="1" dirty="0" smtClean="0"/>
+              <a:rPr lang="zh-CN" altLang="en-US" sz="1800" b="1" dirty="0"/>
               <a:t>性能测试与功能测试关系</a:t>
             </a:r>
-            <a:endParaRPr lang="en-US" altLang="zh-CN" sz="2400" b="1" dirty="0" smtClean="0"/>
+            <a:endParaRPr lang="en-US" altLang="zh-CN" sz="1800" b="1" dirty="0"/>
           </a:p>
           <a:p>
             <a:pPr marL="742950" indent="-742950">
@@ -19912,10 +20029,10 @@
               <a:buAutoNum type="arabicPeriod"/>
             </a:pPr>
             <a:r>
-              <a:rPr lang="zh-CN" altLang="en-US" sz="2400" b="1" dirty="0" smtClean="0"/>
+              <a:rPr lang="zh-CN" altLang="en-US" sz="1800" b="1" dirty="0"/>
               <a:t>性能测试目的</a:t>
             </a:r>
-            <a:endParaRPr lang="en-US" altLang="zh-CN" sz="2400" b="1" dirty="0" smtClean="0"/>
+            <a:endParaRPr lang="en-US" altLang="zh-CN" sz="1800" b="1" dirty="0"/>
           </a:p>
           <a:p>
             <a:pPr marL="742950" indent="-742950">
@@ -19929,14 +20046,14 @@
               <a:buAutoNum type="arabicPeriod"/>
             </a:pPr>
             <a:r>
-              <a:rPr lang="zh-CN" altLang="en-US" sz="2400" b="1" dirty="0" smtClean="0">
+              <a:rPr lang="zh-CN" altLang="en-US" sz="1800" b="1" dirty="0">
                 <a:solidFill>
                   <a:srgbClr val="FF0000"/>
                 </a:solidFill>
               </a:rPr>
               <a:t>性能测试分层模型</a:t>
             </a:r>
-            <a:endParaRPr lang="en-US" altLang="zh-CN" sz="2400" b="1" dirty="0" smtClean="0">
+            <a:endParaRPr lang="en-US" altLang="zh-CN" sz="1800" b="1" dirty="0">
               <a:solidFill>
                 <a:srgbClr val="FF0000"/>
               </a:solidFill>
@@ -19954,10 +20071,10 @@
               <a:buAutoNum type="arabicPeriod"/>
             </a:pPr>
             <a:r>
-              <a:rPr lang="zh-CN" altLang="en-US" sz="2400" b="1" dirty="0" smtClean="0"/>
+              <a:rPr lang="zh-CN" altLang="en-US" sz="1800" b="1" dirty="0" smtClean="0"/>
               <a:t>自动化测试的分层模型</a:t>
             </a:r>
-            <a:endParaRPr lang="en-US" altLang="zh-CN" sz="2400" b="1" dirty="0" smtClean="0"/>
+            <a:endParaRPr lang="en-US" altLang="zh-CN" sz="1800" b="1" dirty="0" smtClean="0"/>
           </a:p>
           <a:p>
             <a:pPr marL="742950" indent="-742950">
@@ -19971,10 +20088,10 @@
               <a:buAutoNum type="arabicPeriod"/>
             </a:pPr>
             <a:r>
-              <a:rPr lang="zh-CN" altLang="en-US" sz="2400" b="1" dirty="0" smtClean="0"/>
+              <a:rPr lang="zh-CN" altLang="en-US" sz="1800" b="1" dirty="0" smtClean="0"/>
               <a:t>性能自动化测试优势</a:t>
             </a:r>
-            <a:endParaRPr lang="en-US" altLang="zh-CN" sz="2400" b="1" dirty="0" smtClean="0"/>
+            <a:endParaRPr lang="en-US" altLang="zh-CN" sz="1800" b="1" dirty="0" smtClean="0"/>
           </a:p>
           <a:p>
             <a:pPr marL="742950" indent="-742950">
@@ -19985,10 +20102,10 @@
               <a:buAutoNum type="arabicPeriod" startAt="6"/>
             </a:pPr>
             <a:r>
-              <a:rPr lang="zh-CN" altLang="en-US" sz="2400" b="1" dirty="0"/>
+              <a:rPr lang="zh-CN" altLang="en-US" sz="1800" b="1" dirty="0"/>
               <a:t>性能测试概念与分类</a:t>
             </a:r>
-            <a:endParaRPr lang="en-US" altLang="zh-CN" sz="2400" b="1" dirty="0"/>
+            <a:endParaRPr lang="en-US" altLang="zh-CN" sz="1800" b="1" dirty="0"/>
           </a:p>
           <a:p>
             <a:pPr marL="742950" indent="-742950">
@@ -19999,10 +20116,10 @@
               <a:buAutoNum type="arabicPeriod" startAt="6"/>
             </a:pPr>
             <a:r>
-              <a:rPr lang="zh-CN" altLang="en-US" sz="2400" b="1" dirty="0"/>
+              <a:rPr lang="zh-CN" altLang="en-US" sz="1800" b="1" dirty="0"/>
               <a:t>性能测试术语</a:t>
             </a:r>
-            <a:endParaRPr lang="en-US" altLang="zh-CN" sz="2400" b="1" dirty="0"/>
+            <a:endParaRPr lang="en-US" altLang="zh-CN" sz="1800" b="1" dirty="0"/>
           </a:p>
           <a:p>
             <a:pPr marL="742950" indent="-742950">
@@ -20013,18 +20130,14 @@
               <a:buAutoNum type="arabicPeriod" startAt="6"/>
             </a:pPr>
             <a:r>
-              <a:rPr lang="zh-CN" altLang="en-US" sz="2400" b="1" dirty="0"/>
+              <a:rPr lang="zh-CN" altLang="en-US" sz="1800" b="1" dirty="0"/>
               <a:t>性能测试</a:t>
             </a:r>
             <a:r>
-              <a:rPr lang="zh-CN" altLang="en-US" sz="2400" b="1" dirty="0" smtClean="0"/>
-              <a:t>的</a:t>
-            </a:r>
-            <a:r>
-              <a:rPr lang="zh-CN" altLang="en-US" sz="2400" b="1" dirty="0"/>
-              <a:t>流程</a:t>
-            </a:r>
-            <a:endParaRPr lang="en-US" altLang="zh-CN" sz="2400" b="1" dirty="0"/>
+              <a:rPr lang="zh-CN" altLang="en-US" sz="1800" b="1" dirty="0" smtClean="0"/>
+              <a:t>的流程</a:t>
+            </a:r>
+            <a:endParaRPr lang="en-US" altLang="zh-CN" sz="1800" b="1" dirty="0" smtClean="0"/>
           </a:p>
           <a:p>
             <a:pPr marL="742950" indent="-742950">
@@ -20035,8 +20148,12 @@
               <a:buAutoNum type="arabicPeriod" startAt="6"/>
             </a:pPr>
             <a:r>
-              <a:rPr lang="zh-CN" altLang="en-US" sz="2400" b="1" dirty="0"/>
-              <a:t>导致性能瓶颈的可能性</a:t>
+              <a:rPr lang="zh-CN" altLang="en-US" sz="1800" b="1" dirty="0" smtClean="0"/>
+              <a:t>导致</a:t>
+            </a:r>
+            <a:r>
+              <a:rPr lang="zh-CN" altLang="en-US" sz="1800" b="1" dirty="0"/>
+              <a:t>性能瓶颈的可能性</a:t>
             </a:r>
           </a:p>
           <a:p>
@@ -20050,7 +20167,7 @@
               <a:buFont typeface="+mj-lt"/>
               <a:buAutoNum type="arabicPeriod"/>
             </a:pPr>
-            <a:endParaRPr lang="zh-CN" altLang="en-US" sz="2400" b="1" dirty="0">
+            <a:endParaRPr lang="zh-CN" altLang="en-US" sz="1800" b="1" dirty="0">
               <a:solidFill>
                 <a:srgbClr val="FF0000"/>
               </a:solidFill>
@@ -20070,7 +20187,9 @@
         </p:nvSpPr>
         <p:spPr/>
         <p:txBody>
-          <a:bodyPr/>
+          <a:bodyPr>
+            <a:normAutofit fontScale="90000"/>
+          </a:bodyPr>
           <a:lstStyle/>
           <a:p>
             <a:r>
@@ -20084,7 +20203,7 @@
     </p:spTree>
     <p:extLst>
       <p:ext uri="{BB962C8B-B14F-4D97-AF65-F5344CB8AC3E}">
-        <p14:creationId xmlns:p14="http://schemas.microsoft.com/office/powerpoint/2010/main" val="2083634399"/>
+        <p14:creationId xmlns:p14="http://schemas.microsoft.com/office/powerpoint/2010/main" val="4046349413"/>
       </p:ext>
     </p:extLst>
   </p:cSld>
@@ -20130,7 +20249,9 @@
         </p:nvSpPr>
         <p:spPr/>
         <p:txBody>
-          <a:bodyPr/>
+          <a:bodyPr>
+            <a:normAutofit fontScale="90000"/>
+          </a:bodyPr>
           <a:lstStyle/>
           <a:p>
             <a:r>
@@ -20149,8 +20270,8 @@
         </p:nvSpPr>
         <p:spPr>
           <a:xfrm>
-            <a:off x="755576" y="3140968"/>
-            <a:ext cx="2275565" cy="691712"/>
+            <a:off x="755576" y="2355726"/>
+            <a:ext cx="2275565" cy="518784"/>
           </a:xfrm>
           <a:prstGeom prst="rect">
             <a:avLst/>
@@ -20190,7 +20311,7 @@
         </p:nvSpPr>
         <p:spPr>
           <a:xfrm>
-            <a:off x="827584" y="3387442"/>
+            <a:off x="827584" y="2540582"/>
             <a:ext cx="2880320" cy="369332"/>
           </a:xfrm>
           <a:prstGeom prst="rect">
@@ -20220,8 +20341,8 @@
         </p:nvSpPr>
         <p:spPr>
           <a:xfrm>
-            <a:off x="4026996" y="2988568"/>
-            <a:ext cx="1901459" cy="691712"/>
+            <a:off x="4026997" y="2241426"/>
+            <a:ext cx="1901459" cy="518784"/>
           </a:xfrm>
           <a:prstGeom prst="rect">
             <a:avLst/>
@@ -20261,7 +20382,7 @@
         </p:nvSpPr>
         <p:spPr>
           <a:xfrm>
-            <a:off x="4200262" y="1949098"/>
+            <a:off x="4200262" y="1461824"/>
             <a:ext cx="3036034" cy="369332"/>
           </a:xfrm>
           <a:prstGeom prst="rect">
@@ -20295,8 +20416,8 @@
         </p:nvSpPr>
         <p:spPr>
           <a:xfrm>
-            <a:off x="4018326" y="1772816"/>
-            <a:ext cx="1901459" cy="691712"/>
+            <a:off x="4018327" y="1329612"/>
+            <a:ext cx="1901459" cy="518784"/>
           </a:xfrm>
           <a:prstGeom prst="rect">
             <a:avLst/>
@@ -20336,7 +20457,7 @@
         </p:nvSpPr>
         <p:spPr>
           <a:xfrm>
-            <a:off x="4272271" y="3149758"/>
+            <a:off x="4272271" y="2362319"/>
             <a:ext cx="950730" cy="369332"/>
           </a:xfrm>
           <a:prstGeom prst="rect">
@@ -20366,8 +20487,8 @@
         </p:nvSpPr>
         <p:spPr>
           <a:xfrm>
-            <a:off x="6804248" y="4500736"/>
-            <a:ext cx="1901459" cy="691712"/>
+            <a:off x="6804249" y="3375552"/>
+            <a:ext cx="1901459" cy="518784"/>
           </a:xfrm>
           <a:prstGeom prst="rect">
             <a:avLst/>
@@ -20407,7 +20528,7 @@
         </p:nvSpPr>
         <p:spPr>
           <a:xfrm>
-            <a:off x="6942695" y="3699356"/>
+            <a:off x="6942696" y="2774517"/>
             <a:ext cx="1763011" cy="369332"/>
           </a:xfrm>
           <a:prstGeom prst="rect">
@@ -20437,8 +20558,8 @@
         </p:nvSpPr>
         <p:spPr>
           <a:xfrm>
-            <a:off x="4128255" y="4365104"/>
-            <a:ext cx="1901459" cy="691712"/>
+            <a:off x="4128256" y="3273828"/>
+            <a:ext cx="1901459" cy="518784"/>
           </a:xfrm>
           <a:prstGeom prst="rect">
             <a:avLst/>
@@ -20478,7 +20599,7 @@
         </p:nvSpPr>
         <p:spPr>
           <a:xfrm>
-            <a:off x="4453922" y="4526294"/>
+            <a:off x="4453922" y="3394721"/>
             <a:ext cx="950730" cy="369332"/>
           </a:xfrm>
           <a:prstGeom prst="rect">
@@ -20508,8 +20629,8 @@
         </p:nvSpPr>
         <p:spPr>
           <a:xfrm>
-            <a:off x="6821690" y="3486824"/>
-            <a:ext cx="1901459" cy="691712"/>
+            <a:off x="6821691" y="2615118"/>
+            <a:ext cx="1901459" cy="518784"/>
           </a:xfrm>
           <a:prstGeom prst="rect">
             <a:avLst/>
@@ -20549,7 +20670,7 @@
         </p:nvSpPr>
         <p:spPr>
           <a:xfrm>
-            <a:off x="7037714" y="4661926"/>
+            <a:off x="7037714" y="3496445"/>
             <a:ext cx="950730" cy="369332"/>
           </a:xfrm>
           <a:prstGeom prst="rect">
@@ -20579,8 +20700,8 @@
         </p:nvSpPr>
         <p:spPr>
           <a:xfrm>
-            <a:off x="6821690" y="3486824"/>
-            <a:ext cx="1901459" cy="691712"/>
+            <a:off x="6821691" y="2615118"/>
+            <a:ext cx="1901459" cy="518784"/>
           </a:xfrm>
           <a:prstGeom prst="rect">
             <a:avLst/>
@@ -20620,8 +20741,8 @@
         </p:nvSpPr>
         <p:spPr>
           <a:xfrm>
-            <a:off x="6825003" y="5419666"/>
-            <a:ext cx="1901459" cy="691712"/>
+            <a:off x="6825004" y="4064750"/>
+            <a:ext cx="1901459" cy="518784"/>
           </a:xfrm>
           <a:prstGeom prst="rect">
             <a:avLst/>
@@ -20661,7 +20782,7 @@
         </p:nvSpPr>
         <p:spPr>
           <a:xfrm>
-            <a:off x="7101226" y="5580856"/>
+            <a:off x="7101226" y="4185642"/>
             <a:ext cx="950730" cy="369332"/>
           </a:xfrm>
           <a:prstGeom prst="rect">
@@ -20691,8 +20812,8 @@
         </p:nvSpPr>
         <p:spPr>
           <a:xfrm>
-            <a:off x="6110106" y="3813509"/>
-            <a:ext cx="682445" cy="2066166"/>
+            <a:off x="6110107" y="2860132"/>
+            <a:ext cx="682445" cy="1549625"/>
           </a:xfrm>
           <a:prstGeom prst="leftBrace">
             <a:avLst/>
@@ -20730,8 +20851,8 @@
         </p:nvSpPr>
         <p:spPr>
           <a:xfrm>
-            <a:off x="3154210" y="1973099"/>
-            <a:ext cx="864096" cy="2938144"/>
+            <a:off x="3154210" y="1479824"/>
+            <a:ext cx="864096" cy="2203608"/>
           </a:xfrm>
           <a:prstGeom prst="leftBrace">
             <a:avLst/>
